--- a/roteiro_da_aula/roteiro2.pptx
+++ b/roteiro_da_aula/roteiro2.pptx
@@ -52,6 +52,20 @@
     <p:sldId id="300" r:id="rId46"/>
     <p:sldId id="301" r:id="rId47"/>
     <p:sldId id="302" r:id="rId48"/>
+    <p:sldId id="304" r:id="rId49"/>
+    <p:sldId id="305" r:id="rId50"/>
+    <p:sldId id="306" r:id="rId51"/>
+    <p:sldId id="303" r:id="rId52"/>
+    <p:sldId id="307" r:id="rId53"/>
+    <p:sldId id="311" r:id="rId54"/>
+    <p:sldId id="308" r:id="rId55"/>
+    <p:sldId id="309" r:id="rId56"/>
+    <p:sldId id="310" r:id="rId57"/>
+    <p:sldId id="312" r:id="rId58"/>
+    <p:sldId id="313" r:id="rId59"/>
+    <p:sldId id="314" r:id="rId60"/>
+    <p:sldId id="315" r:id="rId61"/>
+    <p:sldId id="316" r:id="rId62"/>
   </p:sldIdLst>
   <p:sldSz cx="12192000" cy="6858000"/>
   <p:notesSz cx="6858000" cy="9144000"/>
@@ -158,6 +172,519 @@
 </p:presentation>
 </file>
 
+<file path=ppt/ink/ink1.xml><?xml version="1.0" encoding="utf-8"?>
+<inkml:ink xmlns:inkml="http://www.w3.org/2003/InkML">
+  <inkml:definitions>
+    <inkml:context xml:id="ctx0">
+      <inkml:inkSource xml:id="inkSrc0">
+        <inkml:traceFormat>
+          <inkml:channel name="X" type="integer" min="-2.14748E9" max="2.14748E9" units="cm"/>
+          <inkml:channel name="Y" type="integer" min="-2.14748E9" max="2.14748E9" units="cm"/>
+        </inkml:traceFormat>
+        <inkml:channelProperties>
+          <inkml:channelProperty channel="X" name="resolution" value="1000" units="1/cm"/>
+          <inkml:channelProperty channel="Y" name="resolution" value="1000" units="1/cm"/>
+        </inkml:channelProperties>
+      </inkml:inkSource>
+      <inkml:timestamp xml:id="ts0" timeString="2024-04-17T23:56:01.050"/>
+    </inkml:context>
+    <inkml:brush xml:id="br0">
+      <inkml:brushProperty name="width" value="0.05" units="cm"/>
+      <inkml:brushProperty name="height" value="0.05" units="cm"/>
+      <inkml:brushProperty name="ignorePressure" value="1"/>
+    </inkml:brush>
+  </inkml:definitions>
+  <inkml:trace contextRef="#ctx0" brushRef="#br0">453 271,'0'663,"48"-316,0-3,-27-214,-6 1,-5 1,-6 15,1-20,23 100,56-1,-35-9,49-73,-82-131,0-2,0 0,2-1,-1 0,1-2,0 0,1-1,0 0,0-2,0 0,0-2,1 0,0-1,0-1,-1 0,1-2,0 0,17-4,19 4,788 25,364 5,-480-25,-286 51,-328-36,-4-7,0-4,1-6,35-7,30 2,-176 3,5 2,0-1,0 0,-1 0,1-1,0 0,0 1,0-2,0 1,0 0,0-1,-1 0,1 0,0-1,0 1,-1-1,1 0,-1 0,0 0,1-1,-1 0,0 0,0 0,-1 0,1 0,-1-1,0 0,1 1,-2-1,1 0,0-1,-1 1,0 0,0-1,0 1,1-5,-10-226,1 195,-2 1,-1 0,-2 1,-2 0,-1 0,-9-12,-3-14,-88-214,24 67,9-4,-26-126,74 182,7 0,7-2,5-33,10 106,2 22,-2 0,-2 0,-4 1,-3 0,-12-35,20 88,-1-1,-1 1,0 0,0 0,-1 1,-1 0,0 0,0 1,-1 1,0-1,-1 1,0 1,-1 0,1 1,-1 0,-1 1,1 0,-1 1,-4-1,-24-8,-1 2,0 2,-1 2,0 2,-23 0,-767 1,663 6,-105 2,1-11,-88-22,-13-26,-14-2,-103 9,-597 37,1068 21,58 9,-14-7,-7 3,-1 0,-1 2,0 0,-1 1,-1 0,0 0,-2 2,0-1,-1 1,0 1,-2-1,0 2,-2-1,0 0,-1 1,-1 0,-1 0,-1 6,33 129,-20-114,-2-9</inkml:trace>
+  <inkml:trace contextRef="#ctx0" brushRef="#br0" timeOffset="1477.774">1349 1346,'-27'327,"23"8,7-434,5 0,3 1,5 0,4 1,4 1,5 2,26-58,-49 139,-6 7,1 1,0 0,0 0,0-1,1 1,-1 0,1 0,1 1,-1-1,1 0,0 1,0-1,0 1,0 0,1 0,-1 0,1 1,0-1,1 1,-1 0,0 0,1 0,0 1,0-1,0 1,0 1,0-1,0 0,0 1,0 0,0 1,1-1,8 13,0 1,-1 0,0 1,-1 0,-1 1,-1 0,0 1,0 0,-2 1,0 0,-1 0,-1 1,0 0,-1 0,-1 0,-1 0,-1 2,13 62,-4 1,-3 0,-3 62,4 57,31-38,-40-165,1 1,-1 0,0-1,0 1,0 0,0-1,0 1,1 0,-1-1,0 1,0 0,1 0,-1-1,0 1,0 0,1 0,-1-1,0 1,1 0,-1 0,0 0,1 0,-1 0,0-1,1 1,-1 0,0 0,1 0,-1 0,1 0,-1 0,0 0,-10-47,-97-249,102 284,-1 0,0 0,-1 0,-1 1,0 0,0 0,-1 1,0 0,-1 0,0 1,0 0,-1 1,-1 1,1-1,-1 2,0 0,0 0,-1 1,0 1,0 0,0 0,-9 0,-4 2</inkml:trace>
+  <inkml:trace contextRef="#ctx0" brushRef="#br0" timeOffset="2560.403">2126 1346,'0'733,"0"-1520,0 771,-1 11,0 1,0 0,1-1,0 1,-1-1,1 1,1 0,-1-1,1 1,0-1,0 1,0 0,0 0,1 0,-1-1,1 1,0 1,1-1,-1 0,1 0,-1 1,1 0,0-1,0 1,1 0,-1 1,1-1,0 0,20-1,0 0,0 2,0 1,1 1,-1 0,0 2,18 4,-17-3,-18-4,0 1,0 1,0-1,0 1,-1 0,1 1,0-1,-1 1,1 1,-1-1,0 1,1 0,-1 1,-1-1,1 1,0 0,-1 1,0-1,0 1,0 0,-1 0,0 1,0-1,0 1,0 0,-1 0,0 0,-1 1,1-1,-1 1,0-1,-1 1,1 0,-1 0,-1 0,1 0,-1 4,1 1,-1-1,-1 1,0-1,-1 1,0-1,0 1,-1-1,-1 0,0 0,0-1,-1 1,-1-1,0 0,0 0,-1-1,0 0,0 0,-1 0,-1-1,1 0,-1-1,0 0,-1 0,-7 3,-4 2,-2-1,0-1,0-1,-1 0,0-2,0-1,-1-1,1-1,-1-1,0-2,-14 0,-38-7,110 5</inkml:trace>
+  <inkml:trace contextRef="#ctx0" brushRef="#br0" timeOffset="3102.742">2784 1287,'15'-5,"15"-2,18 1,11 0,5 2,3 2,-1 1,-6 0,-8 1,-23 1,-27-1,-14 0</inkml:trace>
+  <inkml:trace contextRef="#ctx0" brushRef="#br0" timeOffset="5696.858">2963 1257,'51'177,"-23"-110,-24-58,9 21,-2 0,0 1,-2 0,-2 1,0 0,-3 0,0 1,-2-1,-2 32,-4-58,0 0,-1-1,0 0,0 0,0 0,0 0,-1-1,0 0,0 0,0 0,0-1,-1 0,1 0,-1-1,0 1,1-1,-1-1,0 0,0 0,-1 0,1-1,0 0,0 0,0 0,0-1,0 0,0-1,0 0,-5-2,-15 3,-7-1,47 0,463 1,-457 1</inkml:trace>
+</inkml:ink>
+</file>
+
+<file path=ppt/ink/ink10.xml><?xml version="1.0" encoding="utf-8"?>
+<inkml:ink xmlns:inkml="http://www.w3.org/2003/InkML">
+  <inkml:definitions>
+    <inkml:context xml:id="ctx0">
+      <inkml:inkSource xml:id="inkSrc0">
+        <inkml:traceFormat>
+          <inkml:channel name="X" type="integer" min="-2.14748E9" max="2.14748E9" units="cm"/>
+          <inkml:channel name="Y" type="integer" min="-2.14748E9" max="2.14748E9" units="cm"/>
+        </inkml:traceFormat>
+        <inkml:channelProperties>
+          <inkml:channelProperty channel="X" name="resolution" value="1000" units="1/cm"/>
+          <inkml:channelProperty channel="Y" name="resolution" value="1000" units="1/cm"/>
+        </inkml:channelProperties>
+      </inkml:inkSource>
+      <inkml:timestamp xml:id="ts0" timeString="2024-04-17T23:56:34.582"/>
+    </inkml:context>
+    <inkml:brush xml:id="br0">
+      <inkml:brushProperty name="width" value="0.05" units="cm"/>
+      <inkml:brushProperty name="height" value="0.05" units="cm"/>
+      <inkml:brushProperty name="color" value="#E71224"/>
+      <inkml:brushProperty name="ignorePressure" value="1"/>
+    </inkml:brush>
+  </inkml:definitions>
+  <inkml:trace contextRef="#ctx0" brushRef="#br0">1 1,'0'0</inkml:trace>
+</inkml:ink>
+</file>
+
+<file path=ppt/ink/ink11.xml><?xml version="1.0" encoding="utf-8"?>
+<inkml:ink xmlns:inkml="http://www.w3.org/2003/InkML">
+  <inkml:definitions>
+    <inkml:context xml:id="ctx0">
+      <inkml:inkSource xml:id="inkSrc0">
+        <inkml:traceFormat>
+          <inkml:channel name="X" type="integer" min="-2.14748E9" max="2.14748E9" units="cm"/>
+          <inkml:channel name="Y" type="integer" min="-2.14748E9" max="2.14748E9" units="cm"/>
+        </inkml:traceFormat>
+        <inkml:channelProperties>
+          <inkml:channelProperty channel="X" name="resolution" value="1000" units="1/cm"/>
+          <inkml:channelProperty channel="Y" name="resolution" value="1000" units="1/cm"/>
+        </inkml:channelProperties>
+      </inkml:inkSource>
+      <inkml:timestamp xml:id="ts0" timeString="2024-04-17T23:56:31.771"/>
+    </inkml:context>
+    <inkml:brush xml:id="br0">
+      <inkml:brushProperty name="width" value="0.05" units="cm"/>
+      <inkml:brushProperty name="height" value="0.05" units="cm"/>
+      <inkml:brushProperty name="color" value="#E71224"/>
+      <inkml:brushProperty name="ignorePressure" value="1"/>
+    </inkml:brush>
+  </inkml:definitions>
+  <inkml:trace contextRef="#ctx0" brushRef="#br0">0 181,'23'60,"-14"19,-8-52,1 0,2 0,1 0,1 0,1-1,1 0,1 0,2-1,4 7,-14-30,0 0,1 0,-1 0,1 0,-1 0,1 0,0-1,0 1,-1-1,1 1,0-1,0 0,1 0,-1 0,0 0,0 0,0 0,1 0,-1-1,0 1,1-1,-1 0,1 0,-1 0,0 0,1 0,-1 0,1-1,-1 1,0-1,0 0,1 1,-1-1,0 0,0 0,0-1,0 1,0 0,0-1,0 1,0-1,0 1,-1-1,1 0,-1 0,1 0,-1 0,0 0,1-1,72-106,23-105,-86 187</inkml:trace>
+  <inkml:trace contextRef="#ctx0" brushRef="#br0" timeOffset="525.4">598 241,'1'445,"0"-439,1-1,0 1,1 0,-1-1,1 0,0 0,0 1,1-2,-1 1,1 0,0-1,0 1,1-1,0-1,-1 1,1-1,0 1,1-1,-1-1,0 1,1-1,0 0,-1 0,1 0,0-1,0 0,0 0,0-1,0 1,0-2,0 1,0 0,0-1,0 0,0-1,1 0,55 6,-29 1,132-1,-144-10</inkml:trace>
+  <inkml:trace contextRef="#ctx0" brushRef="#br0" timeOffset="952.245">538 510,'5'0,"12"0,18-5,14-2,3-5,-3 0,-3 2,-5 3,-5 2,-3 2,-7 2</inkml:trace>
+  <inkml:trace contextRef="#ctx0" brushRef="#br0" timeOffset="1318.419">508 91,'5'0,"7"0,6-5,6-2,3 1,8 1,2 1,0 2,5 1,-1 0,-1 1,-4 0,-6 1</inkml:trace>
+  <inkml:trace contextRef="#ctx0" brushRef="#br0" timeOffset="2413.494">1285 599,'0'31,"0"-35,0-402,0 397,0 0,1 0,-1 0,2 0,-1 0,1 1,1-1,-1 1,1-1,1 1,0 0,0 0,0 0,1 1,0 0,1 0,0 0,0 0,0 1,1 0,0 0,0 1,0 0,1 0,-1 1,1 0,0 0,1 1,-1 0,1 0,-1 1,1 0,2 0,-8 1,0 0,0 0,1 1,-1-1,0 1,0 0,0 0,1 0,-1 0,0 1,0-1,0 1,0 0,0 0,0 0,0 0,0 0,0 1,0-1,0 1,-1 0,1 0,-1 0,1 0,-1 0,0 1,0-1,0 1,0-1,0 1,0 0,-1-1,0 1,1 0,-1 0,0 0,0 1,-1-1,1 0,-1 0,1 0,-1 0,0 1,0-1,-1 0,1 0,-1 3,-1 6,0 0,-1 0,0-1,-1 1,-1-1,1 0,-2 0,0-1,0 0,0 0,-1 0,-1-1,0 0,0 0,-1-1,0 0,0 0,-1-1,0 0,0-1,-1 0,1-1,-1 0,-6 1,12-4,4-2,0 0,-1 0,1 0,-1 0,1 0,-1 0,1 0,0 0,-1 1,1-1,-1 1,1-1,0 1,-1-1,1 1,0 0,0 0,0-1,-1 1,1 0,0 0,0 0,0 0,0 0,1 1,-1-1,0 0,0 0,1 1,-1-1,1 0,-1 1,1-1,-1 0,1 1,0-1,0 1,0-1,-1 1,2-1,-1 0,0 1,0-1,0 1,1-1,-1 1,0-1,1 0,0 1,-1-1,1 0,234 79,-207-72,160 66,-177-57,-16-4</inkml:trace>
+</inkml:ink>
+</file>
+
+<file path=ppt/ink/ink12.xml><?xml version="1.0" encoding="utf-8"?>
+<inkml:ink xmlns:inkml="http://www.w3.org/2003/InkML">
+  <inkml:definitions>
+    <inkml:context xml:id="ctx0">
+      <inkml:inkSource xml:id="inkSrc0">
+        <inkml:traceFormat>
+          <inkml:channel name="X" type="integer" min="-2.14748E9" max="2.14748E9" units="cm"/>
+          <inkml:channel name="Y" type="integer" min="-2.14748E9" max="2.14748E9" units="cm"/>
+        </inkml:traceFormat>
+        <inkml:channelProperties>
+          <inkml:channelProperty channel="X" name="resolution" value="1000" units="1/cm"/>
+          <inkml:channelProperty channel="Y" name="resolution" value="1000" units="1/cm"/>
+        </inkml:channelProperties>
+      </inkml:inkSource>
+      <inkml:timestamp xml:id="ts0" timeString="2024-04-17T23:56:28.780"/>
+    </inkml:context>
+    <inkml:brush xml:id="br0">
+      <inkml:brushProperty name="width" value="0.05" units="cm"/>
+      <inkml:brushProperty name="height" value="0.05" units="cm"/>
+      <inkml:brushProperty name="color" value="#E71224"/>
+      <inkml:brushProperty name="ignorePressure" value="1"/>
+    </inkml:brush>
+  </inkml:definitions>
+  <inkml:trace contextRef="#ctx0" brushRef="#br0">1 1,'0'10,"10"19,9 19,5 12,0 6,0-3,2-2,-5-7,-5-7,-5-7,-5-9</inkml:trace>
+  <inkml:trace contextRef="#ctx0" brushRef="#br0" timeOffset="732.023">60 90,'86'-1,"-45"-2,1 2,-1 2,0 2,0 2,0 1,0 2,5 4,-34-5,-1 0,0 1,-1 0,0 1,0 1,-1-1,0 1,-1 1,0-1,-1 2,0-1,-1 1,0 0,0 0,-2 0,1 1,-2 0,0 0,0 0,-1 0,-1 0,0 1,0-1,-2 0,0 2,1-8,0-1,-1 1,0-1,0 0,-1 0,1 1,-1-1,-1 0,1-1,-1 1,0 0,0-1,-1 1,0-1,0 0,0 0,0-1,-1 1,0-1,0 0,0 0,0-1,-1 1,1-1,-1 0,0-1,0 1,0-1,0 0,0-1,-5 1,-211 14,198-17,-192 7,190-5,14-2</inkml:trace>
+  <inkml:trace contextRef="#ctx0" brushRef="#br0" timeOffset="1781.651">838 269,'12'18,"-1"0,0 1,-2 0,0 0,-1 1,-1 0,0 1,-2-1,0 1,-2 0,0 1,-1-1,-2 0,0 13,0 58,-2-126,-2 4,0 0,2-1,2 1,0-1,2 1,2 0,0-1,2 1,2 1,0 0,2 0,1 0,2 1,0 1,10-14,-19 37,0-1,0 1,0 1,1-1,-1 0,1 1,0 0,0 0,0 1,0-1,1 1,-1 0,1 0,-1 1,1 0,0 0,-1 0,1 1,0-1,-1 1,1 1,0-1,0 1,-1 0,1 0,-1 1,1 0,-1 0,1 0,-1 1,0-1,0 1,0 0,-1 1,1-1,-1 1,1 0,-1 0,-1 0,1 1,0-1,-1 1,0 0,0 0,-1 0,1 0,-1 1,0-1,0 0,-1 1,0 0,0-1,0 1,-1 0,1 0,-1-1,-1 1,1 0,-1 0,0-1,0 1,-1-1,0 1,0-1,0 1,-2 1,-7 7,0-2,-1 1,-1-2,0 1,0-2,-1 0,0 0,-1-2,0 0,-1 0,1-1,-5 0,19-7,0 0,0 0,0 0,0 1,0-1,0 0,0 0,0 1,0-1,0 1,0-1,0 1,1-1,-1 1,0-1,0 1,0 0,1 0,-1-1,1 1,-1 0,0 0,1 0,-1-1,1 1,0 0,-1 0,1 0,0 0,-1 0,1 0,0 0,0 0,0 0,0 0,0 0,0 0,0 0,0 0,0 0,1 0,-1 0,0 0,1 0,-1 0,1 0,-1-1,1 1,-1 0,1 0,-1 0,1-1,0 1,-1 0,1 0,0-1,0 1,58 36,-44-29,261 145,-254-142</inkml:trace>
+  <inkml:trace contextRef="#ctx0" brushRef="#br0" timeOffset="2258.563">1555 180,'5'0,"7"10,6 9,1 11,-4 5,-4 13,2 2,-3-2,-2-3,-2-5,2-5,1-2,2 3,1 1,3-7,-1-7</inkml:trace>
+</inkml:ink>
+</file>
+
+<file path=ppt/ink/ink13.xml><?xml version="1.0" encoding="utf-8"?>
+<inkml:ink xmlns:inkml="http://www.w3.org/2003/InkML">
+  <inkml:definitions>
+    <inkml:context xml:id="ctx0">
+      <inkml:inkSource xml:id="inkSrc0">
+        <inkml:traceFormat>
+          <inkml:channel name="X" type="integer" min="-2.14748E9" max="2.14748E9" units="cm"/>
+          <inkml:channel name="Y" type="integer" min="-2.14748E9" max="2.14748E9" units="cm"/>
+        </inkml:traceFormat>
+        <inkml:channelProperties>
+          <inkml:channelProperty channel="X" name="resolution" value="1000" units="1/cm"/>
+          <inkml:channelProperty channel="Y" name="resolution" value="1000" units="1/cm"/>
+        </inkml:channelProperties>
+      </inkml:inkSource>
+      <inkml:timestamp xml:id="ts0" timeString="2024-04-17T23:56:39.437"/>
+    </inkml:context>
+    <inkml:brush xml:id="br0">
+      <inkml:brushProperty name="width" value="0.1" units="cm"/>
+      <inkml:brushProperty name="height" value="0.6" units="cm"/>
+      <inkml:brushProperty name="color" value="#849398"/>
+      <inkml:brushProperty name="ignorePressure" value="1"/>
+      <inkml:brushProperty name="inkEffects" value="pencil"/>
+    </inkml:brush>
+  </inkml:definitions>
+  <inkml:trace contextRef="#ctx0" brushRef="#br0">1 1285,'5'0,"12"0,8 0,5-5,2-2,1 1,5-5,12 1,6-4,5-4,7 1,7-3,1 4,-2 3,1-1,-1 3,1-3,-1-4,1 2,14 3,12 3,14 5,23 2,24 1,25 3,11-1,2 1,-12 0,-18-1,-22 1,-27-1,-23 0,-9 0,2 0,15 0,26 0,20 0,20 0,17 0,1 0,-1 0,-12 0,-16 0,-16 0,-11 0,-8 0,-6 0,2 0,2 0,4 0,1 0,14 0,8 0,9 0,2 0,10 0,1 0,1 0,-3 0,5 0,2 0,13 5,-2 2,3 0,-6-2,-14-1,-1-2,-9-1,-6 0,-10-1,-5-1,5 1,-2 0,0 0,5-1,4 1,-5 0,-7 0,-1 0,-6 0,-4 0,-9 0,0 0,0 0,-5 0,-3 0,-4 0,-12 0,-11 0,-11 0,-7 0,-1 0,-1 0,4 0,4 5,11 2,6-1,7-1,3-1,-1-2,-6 0,-6-2,-11 0,-9 0,-11 0,-5-1,-2 1,2 0,-3 0,-6 0,1 0,3 0,-1 0,-4 0,1 0,-1 0,-8 0</inkml:trace>
+  <inkml:trace contextRef="#ctx0" brushRef="#br0" timeOffset="929.692">11835 0,'5'10,"11"14,15 28,20 30,29 27,30 26,22 9,24 12,16 4,5-5,-14-18,-18-23,-24-25,-28-28,-29-20,-21-15,-17-4,-8 1,-8 1,-5 6,-3 4,-13 6,-24 6,-47 6,-60 4,-68 3,-58 1,-50-4,-32-7,-12 4,-1-3,42-9,64-12,72-11,67-8</inkml:trace>
+</inkml:ink>
+</file>
+
+<file path=ppt/ink/ink14.xml><?xml version="1.0" encoding="utf-8"?>
+<inkml:ink xmlns:inkml="http://www.w3.org/2003/InkML">
+  <inkml:definitions>
+    <inkml:context xml:id="ctx0">
+      <inkml:inkSource xml:id="inkSrc0">
+        <inkml:traceFormat>
+          <inkml:channel name="X" type="integer" min="-2.14748E9" max="2.14748E9" units="cm"/>
+          <inkml:channel name="Y" type="integer" min="-2.14748E9" max="2.14748E9" units="cm"/>
+        </inkml:traceFormat>
+        <inkml:channelProperties>
+          <inkml:channelProperty channel="X" name="resolution" value="1000" units="1/cm"/>
+          <inkml:channelProperty channel="Y" name="resolution" value="1000" units="1/cm"/>
+        </inkml:channelProperties>
+      </inkml:inkSource>
+      <inkml:timestamp xml:id="ts0" timeString="2024-04-17T23:56:45.057"/>
+    </inkml:context>
+    <inkml:brush xml:id="br0">
+      <inkml:brushProperty name="width" value="0.1" units="cm"/>
+      <inkml:brushProperty name="height" value="0.1" units="cm"/>
+      <inkml:brushProperty name="color" value="#AE198D"/>
+      <inkml:brushProperty name="ignorePressure" value="1"/>
+      <inkml:brushProperty name="inkEffects" value="galaxy"/>
+      <inkml:brushProperty name="anchorX" value="-11703.96094"/>
+      <inkml:brushProperty name="anchorY" value="-2067.42651"/>
+      <inkml:brushProperty name="scaleFactor" value="0.5"/>
+    </inkml:brush>
+    <inkml:brush xml:id="br1">
+      <inkml:brushProperty name="width" value="0.1" units="cm"/>
+      <inkml:brushProperty name="height" value="0.1" units="cm"/>
+      <inkml:brushProperty name="color" value="#AE198D"/>
+      <inkml:brushProperty name="ignorePressure" value="1"/>
+      <inkml:brushProperty name="inkEffects" value="galaxy"/>
+      <inkml:brushProperty name="anchorX" value="-25552.7832"/>
+      <inkml:brushProperty name="anchorY" value="-3486.47729"/>
+      <inkml:brushProperty name="scaleFactor" value="0.5"/>
+    </inkml:brush>
+    <inkml:brush xml:id="br2">
+      <inkml:brushProperty name="width" value="0.1" units="cm"/>
+      <inkml:brushProperty name="height" value="0.1" units="cm"/>
+      <inkml:brushProperty name="color" value="#AE198D"/>
+      <inkml:brushProperty name="ignorePressure" value="1"/>
+      <inkml:brushProperty name="inkEffects" value="galaxy"/>
+      <inkml:brushProperty name="anchorX" value="-26822.7832"/>
+      <inkml:brushProperty name="anchorY" value="-4926.20068"/>
+      <inkml:brushProperty name="scaleFactor" value="0.5"/>
+    </inkml:brush>
+  </inkml:definitions>
+  <inkml:trace contextRef="#ctx0" brushRef="#br0">0 1166,'0'0,"5"0,8 0,11-6,12 0,15-6,14 1,10-5,9-4,4 3,-2 3,6 4,-12 4,-5 2,-6 3,-6 1,4 0,-8 1,6 0,-2-1,6 1,6-1,4 0,0 0,2 0,-10 0,2 0,-4 0,-3 0,-2 0,-2 0,-2 0,0 0,-1 0,0 0,1 0,-1 0,6 0,1 0,6 0,-1 0,5 0,3 0,4 0,3 0,8 0,7 0,13 0,6 0,9 0,14 0,0 0,3 0,-10 0,-11 0,-12 0,-9 0,-14 0,-11 0,-8 0,-7 0,-4 0,5 0,4 0,1 0,5 0,5 0,3 6,-3 1,-4-1,-5-1,-4 4,-3 0,3-2,11 5,5-2,11-2,15-2,7-2,0-2,-4-1,-7-1,-4 0,-11 0,-4-1,-2 1,6 0,1 5,1 1,7 6,5 0,17 3,6-1,2 3,12-3,-1-3,-2-4,-11-2,-10-3,-5-1,-1-1,1 5,13 1,9 0,13-2,5 0,10-2,-6-1,0 0,-10-1,-7 0,-13-1,-12 1,-11 0,-6 0,-6 0,-8 0,4 0,12 0,2 0,7 0,-8 0,3 5,-3 1,-3 0,-2-1,-2-1,4-2,-1 0,-1-2,0 0,-8 0,-8 0,-7-1,-5 1,-5 0,-1 0,-2 0,-7 0,-6 0,-6 0,-10 0</inkml:trace>
+  <inkml:trace contextRef="#ctx0" brushRef="#br1" timeOffset="370.239">12043 0,'0'0,"0"5,0 15,0 4,0 6,0 1,0 2,0-6</inkml:trace>
+  <inkml:trace contextRef="#ctx0" brushRef="#br2" timeOffset="1367.174">12043 209,'0'0,"5"10,20 28,11 11,6 4,7 5,-1-4,3 0,-4-5,-4 1,2 1,2 2,4 2,9 8,9 8,13 7,1-7,4 4,-4-10,-6 3,-5-8,-11-2,-10-1,-2-1,-7-5,-4 0,3-4,-9-5,-2-11,-2 3,0-2,0-1,-6 0,0-1,-11 0,-16 0,-30-6,-38 6,-42-1,-42 8,-22 6,-25 7,-11-2,-22 3,-15-3,-27-5,-20-10,-9-3,-4-10,17-6,34-6,45-4,43-4,41 0,38-1,29-1,33 7,19 0</inkml:trace>
+</inkml:ink>
+</file>
+
+<file path=ppt/ink/ink15.xml><?xml version="1.0" encoding="utf-8"?>
+<inkml:ink xmlns:inkml="http://www.w3.org/2003/InkML">
+  <inkml:definitions>
+    <inkml:context xml:id="ctx0">
+      <inkml:inkSource xml:id="inkSrc0">
+        <inkml:traceFormat>
+          <inkml:channel name="X" type="integer" min="-2.14748E9" max="2.14748E9" units="cm"/>
+          <inkml:channel name="Y" type="integer" min="-2.14748E9" max="2.14748E9" units="cm"/>
+        </inkml:traceFormat>
+        <inkml:channelProperties>
+          <inkml:channelProperty channel="X" name="resolution" value="1000" units="1/cm"/>
+          <inkml:channelProperty channel="Y" name="resolution" value="1000" units="1/cm"/>
+        </inkml:channelProperties>
+      </inkml:inkSource>
+      <inkml:timestamp xml:id="ts0" timeString="2024-04-17T23:56:55.177"/>
+    </inkml:context>
+    <inkml:brush xml:id="br0">
+      <inkml:brushProperty name="width" value="0.05" units="cm"/>
+      <inkml:brushProperty name="height" value="0.05" units="cm"/>
+      <inkml:brushProperty name="ignorePressure" value="1"/>
+    </inkml:brush>
+    <inkml:brush xml:id="br1">
+      <inkml:brushProperty name="width" value="0.05" units="cm"/>
+      <inkml:brushProperty name="height" value="0.05" units="cm"/>
+      <inkml:brushProperty name="color" value="#E71224"/>
+      <inkml:brushProperty name="ignorePressure" value="1"/>
+    </inkml:brush>
+  </inkml:definitions>
+  <inkml:trace contextRef="#ctx0" brushRef="#br0">2676 1,'18'73,"22"146,-9 3,-10 0,-9 1,-12 51,-53 1051,62-1061,12-1,11-1,61 236,-78-432,-3 0,-2 1,-3 1,-4-1,-2 14,-4 179,4-253,1 0,0 1,0-1,0 0,0 0,1 0,1-1,-1 1,1-1,0 1,0-1,1-1,0 1,0 0,0-1,1 0,-1-1,1 1,0-1,1 0,-1 0,1-1,0 0,0 0,0-1,5 2,207 40,-191-40,293 22,1-15,271-25,587-105,-363 27,-764 88,-41 6,-1-2,0 1,1-1,-1-1,1 0,-1-1,0 0,0 0,0-1,0-1,0 0,-1 0,0-1,0-1,0 0,0 0,-1 0,0-1,0-1,-1 0,6-7,-7-4,-1 0,0-1,-2 0,0 0,-2 0,0 0,-1-1,-1 1,-1-1,0 1,-2 0,-1 0,-5-20,3 7,-77-395,-24-14,24 102,-433-1801,467 1900,42 232,0-1,0 1,-1 1,0 0,0 0,-1 0,0 1,-1 0,0 1,0 0,0 1,0 0,-1 1,0-1,0 2,0 0,0 0,-1 1,1 1,-1 0,1 0,-1 1,1 0,-1 1,1 1,-6 1,-27-5,-1453-25,933 16,-1119-54,-92-84,1605 124,260 34,220 60,-226-51</inkml:trace>
+  <inkml:trace contextRef="#ctx0" brushRef="#br0" timeOffset="1452.449">2228 927,'60'32,"326"198,-166-128,5-9,3-10,4-11,68 6,-235-60,0-2,1-4,0-3,1-2,-1-4,1-2,0-3,0-3,-1-3,0-3,0-3,-2-3,0-2,0-3,-2-3,-1-3,464-243,-510 260,-1 0,-1-1,0-1,0 0,-1 0,-1-1,0-1,-1 0,-1 0,0-1,6-15,1 1,124-203,-138 232,0 0,-1 0,1-1,0 1,0 0,-1-1,1 1,-1-1,1 1,-1-1,1 0,-1 0,0 1,0-1,0 0,0 0,0 0,-1 0,1 0,-1-1,1 1,-1 0,0 0,1 0,-1 0,0-1,-1 1,1 0,0 0,-1 0,1 0,-1 0,1 0,-1 0,0 0,0 0,0 0,0 0,0 0,-1 0,1 1,0-1,-1 0,1 1,-1-1,0 1,1 0,-1 0,0-1,0 1,0 0,0 1,0-1,0 0,0 0,0 1,0-1,-1 1,1 0,0 0,0 0,0 0,-1 0,-167 5,71 8</inkml:trace>
+  <inkml:trace contextRef="#ctx0" brushRef="#br0" timeOffset="3201.969">942 240,'37'67,"-6"12,-2 1,-5 1,-3 1,-3 0,-4 2,0 47,19 99,160 728,-66-8,-38-631,-50-188,-6 2,-5 1,-5 15,6 181,35-106,-24-118,26 96,-61-196,0-1,1 1,0-1,0 0,0 0,1 0,-1-1,1 0,0-1,0 1,1-1,-1-1,1 1,-1-1,1-1,0 1,0-1,0-1,-1 0,1 0,0 0,0-1,0 0,0 0,0-1,21 1,293-11,0-13,83-28,570-89,-869 120,35-9,1 7,2 6,21 4,-156 14,-8 1,-1 0,1-1,0 1,0 0,-1-1,1 1,0-1,0 1,0-1,0 1,0-1,0 0,0 0,-1 1,1-1,0 0,0 0,0 0,0 0,0 0,0 0,0 0,0 0,0-1,0 1,0 0,0 0,0-1,0 1,0-1,0 1,-1-1,1 1,0-1,0 0,-1 1,1-1,0 0,-1 1,1-1,0 0,-1 0,1 0,-1 1,0-1,1 0,-1 0,0 0,1 0,-1 0,0 0,0 0,0 0,0 0,0 0,0 0,0 0,0 0,0 0,0 0,-1 0,1 0,0 0,-1 0,-34-31,-10-6</inkml:trace>
+  <inkml:trace contextRef="#ctx0" brushRef="#br0" timeOffset="3981.959">2079 658,'7'11,"0"-1,0 1,-1 1,0-1,-1 1,0 0,-1 0,0 1,-1-1,-1 1,0 0,0-1,-1 1,-1 5,3 9,48 734,-33-570,9-2,8-1,7-1,9-2,8-3,70 145,5-50,-105-257,-17-72,-11-40,-5-13</inkml:trace>
+  <inkml:trace contextRef="#ctx0" brushRef="#br0" timeOffset="4365.095">2616 1495,'-54'273,"13"2,11 2,9 98,20-356,-9 184,9 0,8-1,10 0,12 26,6-109,-36-120,1 1,0-1,-1 0,1 0,0 1,-1-1,1 0,0 1,0-1,-1 0,1 0,0 1,0-1,0 0,0 0,0 0,0 1,0-1,1 0,-1 0,0 1,0-1,0 0,1 0,-1 1,1-1,-1 0,0 1,1-1,-1 1,1-1,-1 0,1 1,-1-1,1 1,0-1,-1 1,1 0,0-1,-1 1,1-1,0 1,0 0,-1 0,1 0,0-1,0 1,-1 0,1 0,0 0,0 0,-1 0,1 0,0 0,0 0,-1 1,1-1,0 0,0 0,-1 1,1-1,0 0,-1 1,1-1,0 1,-1-1,1 1,0 0,-10-197,-8 66</inkml:trace>
+  <inkml:trace contextRef="#ctx0" brushRef="#br0" timeOffset="4731.038">2228 1167,'5'25,"6"39,3 29,-3 29,-2 20,-3 5,3-1,-1-1,-1-9,-2-13,3-17,6-17,0-17,-3-17,-2-18</inkml:trace>
+  <inkml:trace contextRef="#ctx0" brushRef="#br0" timeOffset="5096.639">1928 1256,'0'30,"0"46,0 51,0 54,6 33,5 29,3 6,2-6,5-17,-2-28,2-37,1-36,-2-33,-5-44,-20-59,-15-60,-13-52,-2-5</inkml:trace>
+  <inkml:trace contextRef="#ctx0" brushRef="#br0" timeOffset="5428.651">1361 868,'44'218,"14"206,-37-246,197 1193,-197-1206,-20-155,1 8,-2-40,-16-582,2 394</inkml:trace>
+  <inkml:trace contextRef="#ctx0" brushRef="#br0" timeOffset="5730.622">2257 2541,'15'46,"21"70,9 52,2 33,-2 12,-9 1,-10-21,-9-28,-9-32,-4-33,-4-29,-1-47,-1-47,0-21</inkml:trace>
+  <inkml:trace contextRef="#ctx0" brushRef="#br0" timeOffset="6033.427">2616 2452,'0'15,"0"26,0 20,5 26,2 18,4 17,1 3,3 0,5-5,-2-14,-3-19,0-20,-2-15,-4-13,3-12,-2-10</inkml:trace>
+  <inkml:trace contextRef="#ctx0" brushRef="#br1" timeOffset="9199.798">2407 5230,'-8'136,"-6"0,-6-1,-5-1,-36 104,29-114,-99 490,126-544,5-71,0 1,1-1,-1 0,1 1,-1-1,1 0,-1 1,1-1,-1 0,1 1,0-1,-1 1,1-1,0 1,-1-1,1 1,0 0,0-1,-1 1,1 0,0 0,0 0,0-1,-1 1,1 0,0 0,0 0,0 0,0 0,-1 0,1 1,0-1,0 0,0 0,-1 1,1-1,0 0,0 1,-1-1,1 1,0-1,-1 1,1-1,0 1,-1-1,1 1,-1-1,1 1,-1 0,1 0,-1-1,0 1,1 0,-1 0,0-1,1 1,-1 0,0 0,0 0,0-1,0 1,44-54,-2-2,-3-2,-2-2,22-49,-53 95,401-833,-359 767,-47 79,1 0,0 0,-1 1,1-1,0 0,0 1,-1-1,1 1,-1-1,1 1,-1 0,1 0,-1 0,1 0,-1 0,1 0,-1 0,0 0,0 0,0 1,0-1,0 1,0-1,0 0,0 1,0 0,-1-1,1 1,0-1,-1 1,0 0,1 0,0 1,115 292,-115-292,-1 0,1 0,-1 0,1 0,0-1,0 1,1 0,-1 0,1 0,-1-1,1 1,0-1,0 1,0-1,0 0,0 0,1 0,-1 0,0 0,1 0,0-1,-1 1,1-1,0 0,0 0,0 0,0 0,0 0,0-1,0 1,0-1,0 0,0 0,0 0,0 0,0-1,0 1,0-1,0 1,0-1,0 0,0 0,0-1,-1 1,1-1,0 1,-1-1,1 0,-1 0,0 0,1 0,-1 0,0-1,0 1,157-275,-158 274,0 1,1-1,-1 1,1 0,0-1,0 1,0 0,0 0,0 0,0 0,0 1,0-1,1 0,-1 1,1 0,0 0,-1-1,1 1,0 1,-1-1,1 0,0 1,0-1,0 1,-1 0,1 0,0 0,0 0,0 1,0-1,0 1,-1 0,1 0,0 0,-1 0,1 0,-1 0,1 1,-1-1,2 2,97 86,-99-86,91 109,-5 4,-6 4,22 50,-83-137,72 128,-66-106</inkml:trace>
+  <inkml:trace contextRef="#ctx0" brushRef="#br1" timeOffset="10094.925">4619 5321,'35'83,"14"115,-42-156,1 0,3-1,1 0,2-1,1-1,2 0,2-1,2-1,25 35,126 144,-170-212,1 0,-1 0,1-1,0 1,0 0,1-1,-1 0,1 0,0 0,-1 0,1 0,1-1,-1 0,0 0,0 0,1 0,-1-1,1 1,0-1,-1-1,1 1,0 0,0-1,-1 0,1 0,0-1,-1 1,1-1,0 0,-1 0,1-1,-1 1,1-1,-1 0,0 0,1-1,1-1,7-4,0-2,0 1,-1-2,0 0,0 0,-2-1,1 0,-2-1,1 0,4-12,10-23,-4-1,-1-1,-2 0,-3-2,-2 0,-2 0,0-20,-69 177,-298 460,144-238,-28 87,227-389,-40 118,64-132,10-19</inkml:trace>
+  <inkml:trace contextRef="#ctx0" brushRef="#br1" timeOffset="10875.692">6501 5350,'-40'4,"-1"2,1 1,1 2,-1 2,2 2,-1 1,-15 10,43-19,-1-3,0 1,0 1,0 0,1 1,0 0,0 0,0 2,0-1,1 1,0 1,1-1,0 2,0-1,0 1,1 1,1 0,0 0,0 0,1 1,0 0,0 0,2 0,-1 1,1-1,1 1,0 0,1 1,0-1,1 2,7 8,1 0,1 0,0-1,2 0,0 0,2-1,0 0,1-1,1-1,1 0,1-1,0-1,1 0,0-1,2-1,0 0,0-2,1 0,0-1,1-1,12 3,75 54,-100-62,2 0,0 0,0 1,0 1,-1-1,0 1,0 1,-1 0,0 0,0 1,-1 0,0 0,-1 0,0 1,0 0,-1 0,0 1,-1 0,0-1,1 10,-8-11,-1-1,0 0,-1 0,0 0,0-1,-1 0,0 0,0 0,-1 0,1-1,-1 0,-1-1,1 0,-1 0,0 0,0-1,-1 0,1-1,-1 0,0 0,1-1,-7 1,10-1,-302 80,288-76</inkml:trace>
+  <inkml:trace contextRef="#ctx0" brushRef="#br1" timeOffset="11590.861">7068 5649,'-6'3,"-1"1,0-1,1 1,0 0,0 1,0-1,1 1,-1 0,1 1,0-1,1 1,-1 0,1 0,0 1,1-1,-1 1,1 0,1 0,-1 0,1 3,1-8,-13 39,2 2,2-1,1 1,3 0,1 1,3 0,1 0,2-1,6 36,-8-64,2-1,0 1,0-1,1 1,1-1,1 0,0 0,0 0,2-1,0 1,0-1,1-1,0 1,2-1,-1 0,1-1,1 0,0 0,0-1,1-1,1 0,-1 0,1-1,1 0,0-1,0-1,0 0,1-1,-1 0,1-1,0 0,10 0,8-5,-1-1,0-1,1-2,-2-1,1-2,-1-1,0-1,0-1,-2-2,1-1,-2-1,0-2,-1 0,0-2,3-4,-10-3,0 0,-2-2,0 0,-2 0,-2-2,0 0,-2 0,-1-1,-2 0,-1-1,-1 0,-2 0,-1 0,-1-1,-2 1,-2 0,-1-1,-1 1,-6-22,7 36,0 0,-1 0,-1 0,-1 0,0 1,-1 0,-1 1,-1-1,0 1,-1 1,-1 0,-1 0,0 1,0 1,-1 0,-1 1,0 0,-1 1,0 1,-1 0,0 1,0 0,-1 2,0 0,0 1,-1 0,0 2,0 0,0 1,0 1,-1 0,1 2,-1 0,1 1,0 0,-13 4,18 1,0 1,1 0,0 1,0 0,1 0,0 1,1 1,0 0,0 0,1 1,0 1,1-1,1 1,0 0,0 1,1 0,1 0,0 0,1 1,0 0,1-1,0 1,1 0,1 1,1-1,0 0,1 10,-1 5</inkml:trace>
+  <inkml:trace contextRef="#ctx0" brushRef="#br1" timeOffset="12082.818">7368 5978,'9'2,"1"1,-1 0,1 1,-1-1,0 2,0-1,-1 2,0-1,0 1,0 0,0 0,4 7,13 7,492 312,-454-291,-37-28</inkml:trace>
+  <inkml:trace contextRef="#ctx0" brushRef="#br1" timeOffset="12733.141">8145 5021,'22'322,"-13"349,-10-658,0-1,1 1,1 0,0 0,1-1,0 1,1 0,0-1,1 0,0 0,1 0,0-1,1 1,1-1,0 0,0-1,1 0,0 0,1 0,0-1,0-1,1 0,0 0,1 0,-1-2,1 1,1-1,-1-1,1 0,0-1,0 0,5 1,64 4,0-4,0-3,63-7,-9 1,297 2,-425 2,0 0,0 1,0 0,-1 1,1-1,0 1,0 1,-1-1,1 1,-1 0,0 1,0 0,0-1,-1 2,1-1,-1 1,0 0,0 0,0 0,-1 1,0-1,0 1,3 6,-2 12</inkml:trace>
+  <inkml:trace contextRef="#ctx0" brushRef="#br1" timeOffset="14019.74">3751 7681,'-40'84,"30"-68,1 0,1 1,0 0,2 1,0-1,0 1,2 0,0 1,1-1,1 1,1-1,1 1,0 3,6-11,-1-1,1 0,1 0,0 0,0-1,1 0,0 0,1-1,0 0,0 0,1-1,0 0,0-1,0 0,1-1,0 0,0-1,0 0,0-1,9 2,1 3,9 4,246 123,-265-127,1 0,-1 0,-1 1,0 0,0 1,-1 0,0 1,0 0,-1 0,-1 1,0 0,-1 0,0 0,-1 1,0 0,-1 0,0 0,-1 1,-1-1,1 11,-3-17,0 0,0 0,-1 0,0 0,0-1,-1 1,0 0,0-1,0 0,-1 1,0-1,0 0,-1 0,1 0,-1-1,-1 1,1-1,-1 0,0 0,0-1,0 1,-1-1,1 0,-1-1,0 1,0-1,0 0,-1-1,1 0,-1 0,-5 1,-61 15,-1-4,0-3,-1-3,0-3,-40-5,-122 11,156-8,82-11,15-3</inkml:trace>
+  <inkml:trace contextRef="#ctx0" brushRef="#br1" timeOffset="14688.244">3842 7710,'5'0,"11"0,14-5,17-1,21 0,13-5,9 1,-6 1,-12 2,-18 3</inkml:trace>
+  <inkml:trace contextRef="#ctx0" brushRef="#br1" timeOffset="15641.473">5305 7801,'-129'93,"52"-40,2 3,3 3,3 3,-22 28,79-78,0 0,1 1,1 1,0 0,1 0,1 1,0 0,1 0,0 1,2 0,0 0,0 0,2 1,0-1,0 1,2 0,0 0,1 0,1 0,0 0,2-1,0 1,0 0,2-1,0 0,1 0,0 0,1-1,1 0,1 0,9 2,1-2,1 1,0-2,1-1,1-1,0 0,0-2,1 0,1-2,-1-1,1 0,1-2,-1-1,1 0,-1-2,1-1,0-1,12-3,38 13,-63-6,-1-2,0 0,1 0,0-1,-1 0,1-1,-1 0,1-1,0 0,-1-1,0 0,1-1,-1-1,0 1,0-2,0 0,8-7,-1-2,-1 0,0-1,-1 0,-1-2,-1 0,0 0,-1-1,0-1,-2 0,0-1,-2 0,0 0,-1-1,-1-1,-1 1,1-10,-6 26,-1 0,0 0,0 1,-1-1,0 0,1 0,-1 0,-1 1,1-1,-1 0,0 1,0-1,0 1,-1 0,1 0,-1 0,0 0,0 0,-1 1,1-1,-1 1,1 0,-1 0,0 0,-1 1,1-1,0 1,-1 0,1 0,-1 1,1-1,-1 1,-3-1,-166-24,170 25,-28-2,-1 1,0 1,0 2,0 1,1 2,-1 1,1 1,0 2,-4 2,14 1</inkml:trace>
+  <inkml:trace contextRef="#ctx0" brushRef="#br1" timeOffset="16995.764">6202 7830,'-24'236,"17"232,-21-647,14 89,3 0,5 0,3-1,4 1,5-8,-6 93,0 1,0 0,0 0,1 0,-1 0,1 0,0-1,0 1,1 0,-1 1,1-1,0 0,0 0,0 1,0-1,1 1,-1 0,1-1,0 1,0 0,0 1,0-1,1 1,-1-1,1 1,-1 0,1 0,0 0,0 1,0 0,0-1,0 1,0 1,0-1,0 0,0 1,2 0,356 8,-354-7,-4-3,1 2,-1-1,1 1,0-1,-1 1,1 0,0 1,-1-1,1 1,-1 0,1 0,-1 1,1-1,-1 1,0 0,1 0,-1 0,0 1,0 0,-1-1,1 1,-1 1,1-1,-1 0,0 1,0 0,-1-1,1 1,-1 0,1 0,-1 2,4 245,-6-243,-1 0,-1 0,1 1,-1-1,-1 0,0-1,0 1,0 0,-1-1,0 0,-1 0,1 0,-1 0,-1-1,1 1,-1-2,0 1,-1 0,1-1,-1 0,0-1,0 0,-1 0,1 0,-1-1,0 0,0-1,0 1,0-1,0-1,-4 1,-262 46,360-59,-13-1,-34 4,-1 2,1 2,0 1,0 2,37 3,-71-1,0 0,-1 0,1 1,-1-1,0 1,1 0,-1 0,0 0,0 1,0-1,0 1,-1 0,1 0,-1 0,0 1,0-1,0 1,0 0,0 0,-1 0,0 0,0 0,0 0,0 1,-1-1,1 0,-1 1,0 0,-1-1,1 1,-1 1,-9 150,8-150,0 2,-1 0,0 0,0-1,-1 1,0 0,-1-1,0 0,0 0,0 0,-1 0,0-1,0 0,-1 0,1 0,-1-1,-1 1,1-2,-1 1,0-1,0 0,0 0,0 0,-1-1,1-1,-1 1,0-1,-5 1,-228 12,214-15,-98-3,94 2</inkml:trace>
+  <inkml:trace contextRef="#ctx0" brushRef="#br1" timeOffset="17427.642">7368 7412,'0'15,"0"21,0 14,0 13,0 7,0 2,0-2,0-2,0-8,0-4,0-6,0-7,0-11</inkml:trace>
+  <inkml:trace contextRef="#ctx0" brushRef="#br1" timeOffset="18160.64">7248 7412,'2'-2,"1"-1,0 1,-1-1,1 1,0 0,0 0,0 0,1 0,-1 1,0-1,1 1,-1 0,1 0,-1 0,1 1,-1-1,1 1,0 0,-1 0,1 0,-1 0,1 1,0-1,-1 1,1 0,1 1,26 7,-2 2,1 1,-2 1,0 2,0 1,-2 0,19 17,-16-14,0-3,-1 1,-1 2,0 0,-1 2,-2 1,0 1,-1 0,-1 2,-2 1,0 1,-2 0,-1 2,-1-1,-1 2,-2 0,-1 1,-1 0,0 11,-8-32,-1 0,-1 0,1 1,-2-1,0 0,0 1,0-1,-2 0,1 0,-1 1,-1-1,1 0,-2-1,0 1,0-1,0 1,-1-1,-1 0,1-1,-7 8,-39 30,-2-1,-2-3,-2-3,-2-2,-1-2,-2-4,-62 24,60-31,-2-3,-1-3,0-3,-1-3,-1-3,-55 0,82-7</inkml:trace>
+</inkml:ink>
+</file>
+
+<file path=ppt/ink/ink16.xml><?xml version="1.0" encoding="utf-8"?>
+<inkml:ink xmlns:inkml="http://www.w3.org/2003/InkML">
+  <inkml:definitions>
+    <inkml:context xml:id="ctx0">
+      <inkml:inkSource xml:id="inkSrc0">
+        <inkml:traceFormat>
+          <inkml:channel name="X" type="integer" min="-2.14748E9" max="2.14748E9" units="cm"/>
+          <inkml:channel name="Y" type="integer" min="-2.14748E9" max="2.14748E9" units="cm"/>
+        </inkml:traceFormat>
+        <inkml:channelProperties>
+          <inkml:channelProperty channel="X" name="resolution" value="1000" units="1/cm"/>
+          <inkml:channelProperty channel="Y" name="resolution" value="1000" units="1/cm"/>
+        </inkml:channelProperties>
+      </inkml:inkSource>
+      <inkml:timestamp xml:id="ts0" timeString="2024-04-17T23:57:24.135"/>
+    </inkml:context>
+    <inkml:brush xml:id="br0">
+      <inkml:brushProperty name="width" value="0.05" units="cm"/>
+      <inkml:brushProperty name="height" value="0.05" units="cm"/>
+      <inkml:brushProperty name="ignorePressure" value="1"/>
+    </inkml:brush>
+  </inkml:definitions>
+  <inkml:trace contextRef="#ctx0" brushRef="#br0">3054 738,'116'-39,"-94"35,0-2,-1 0,0-1,0-2,0 0,-1-1,-1-1,0 0,0-2,-1 0,-1-1,0-1,-1-1,0 0,-2-1,0-1,-12 15,0 0,-1-1,1 1,-1-1,0 1,0-1,0 0,-1 1,1-1,-1 0,0 1,0-1,0 0,0 0,-1 1,0-1,1 0,-2 1,1-1,0 1,0-1,-1 1,0 0,0-1,0 1,0 0,0 0,-1 0,1 1,-1-1,0 1,0-1,0 1,0 0,0 0,0 0,0 0,-1 1,1 0,-1-1,1 1,-1 0,0 1,1-1,-1 0,0 1,0 0,1 0,-1 0,0 1,-1 0,-178 4,176-4,1 0,0 1,0 0,0 0,0 1,0 0,0 0,1 0,-1 1,1-1,0 1,0 1,0-1,1 1,0 0,0 0,0 0,0 0,1 1,0-1,0 1,0 0,1 0,-1 0,2 0,-1 0,0 3,3 10,0 0,1 0,0 0,2 0,0 0,1 0,1-1,1 0,1 0,0-1,1 0,1 0,0-1,2-1,-1 1,2-2,0 0,1 0,0-1,1-1,0-1,1 0,1-1,11 6,245 70,-219-72,1-2,0-2,0-3,1-2,40-2,-57-4</inkml:trace>
+  <inkml:trace contextRef="#ctx0" brushRef="#br0" timeOffset="-4024.569">2487 2382,'-18'-428,"-1"162,-35 5,-29-164,79 389</inkml:trace>
+  <inkml:trace contextRef="#ctx0" brushRef="#br0" timeOffset="-1927.614">365 21,'-254'-20,"249"21,-1 1,1 0,-1 1,1-1,0 1,0 0,1 0,-1 1,0-1,1 1,0 0,0 0,0 1,1-1,-1 1,1 0,0 0,0 0,1 0,-1 0,1 1,1-1,-1 1,1-1,-1 4,-13 146,22-122,1 1,1-1,1 0,3-1,0 0,2-1,1-1,2 0,1-1,1-1,1-1,1-1,2-1,0-1,2-1,1-1,25 16,-41-28,0 0,0-1,1 0,1-1,-1 0,1-1,0 0,1-1,-1-1,1 0,1-1,-1 0,0-1,1-1,0 0,-1-1,1-1,0 0,0-1,-1-1,1 0,-1 0,1-2,-1 0,0-1,0 0,-1-1,1 0,10-8,-19 9,0 1,-1-1,0 0,0 0,0 0,-1 0,0-1,0 1,0-1,0 0,-1 0,0 0,0 0,-1 0,0-1,0 1,6-21,13 65,-10-19,2 1,0-2,1 0,1 0,0-2,2 1,0-2,0 0,1-1,1-1,1 0,0-2,0 0,1-1,0-1,1-1,0 0,0-2,1 0,-1-2,1 0,0-2,11 0,-26 0,-1 0,1-1,-1 0,1-1,-1 1,1-1,-1 0,1-1,0 1,-1-2,0 1,1 0,-1-1,0 0,1-1,-1 0,-1 0,1 0,0 0,-1-1,1 0,-1 0,0 0,-1-1,1 0,-1 0,0 0,0 0,0-1,-1 1,0-1,0 0,0 0,-1 0,0-1,1-4,1-6,-2-1,0 0,-1 1,0-1,-2 0,0 1,-1-1,0 1,-2-1,0 1,-1 0,0 1,-2-1,0 1,-1 0,0 0,-1 1,-1 1,-1-1,-2-2,-127-91,134 104,0 0,-1 1,0 0,1 0,-1 0,0 1,-1 0,1 0,0 0,0 1,-1 1,1-1,-1 1,1 0,0 1,-1-1,1 2,0-1,-1 1,1 0,0 0,-2 2,1 5,1 0,0 0,1 0,0 1,1 0,0 0,0 0,1 1,1 0,-1-1,2 1,0 1,0-1,1 0,0 0,1 1,0-1,1 0,0 0,1 1,0-1,1 0,0 0,0-1,3 4,2 6</inkml:trace>
+  <inkml:trace contextRef="#ctx0" brushRef="#br0" timeOffset="-876.263">1381 559,'450'1,"-435"4,1 2,-1 0,-1 1,1 0,-1 1,-1 1,1 0,-2 1,1 0,-2 1,1 0,-2 1,0 0,0 1,-1 0,-1 1,0-1,4 14,-1-4,5 12,-13-51,-8-15,2 0,0-1,3 1,0 0,2 0,1 0,1 0,2 0,1 1,6-13,-12 36,1 1,0 1,0-1,1 0,-1 0,1 1,0 0,1-1,-1 1,1 1,-1-1,1 0,0 1,1 0,-1 0,0 0,1 0,0 1,0-1,-1 1,1 1,1-1,-1 1,0 0,0 0,0 0,1 0,-1 1,0 0,1 1,-1-1,0 1,0 0,1 0,-1 0,4 3,8 1,-1 1,0 1,-1 1,1 0,-2 1,1 1,-1 0,-1 1,0 1,10 10,-3 4,-1 2,-1-1,-2 2,0 0,-2 1,-2 1,-1 0,6 26,2-1,-8-26</inkml:trace>
+  <inkml:trace contextRef="#ctx0" brushRef="#br0" timeOffset="1129.949">4728 499,'-32'-1,"26"0,-1 0,0 0,0 0,0 1,0 0,0 0,0 1,1-1,-1 2,0-1,0 1,1 0,-1 0,1 1,0 0,-1 0,1 0,1 1,-1 0,0 0,1 1,0-1,0 1,0 0,1 0,0 1,-1 1,-5 17,2 1,0 0,2 1,0-1,2 1,1 0,1 0,1 0,2 1,0-1,6 25,-6-44,0 0,1 0,0 0,0-1,0 1,1 0,0-1,1 0,0 0,-1 0,2 0,-1-1,1 1,0-1,0 0,0 0,1-1,-1 0,1 0,0 0,1-1,-1 0,0 0,1 0,0-1,3 1,188 27,-193-29,387 1,-346-2</inkml:trace>
+  <inkml:trace contextRef="#ctx0" brushRef="#br0" timeOffset="2463.988">5654 589,'5'15,"2"21,5 8,0 3,-2-2,2 7,0-1,-2-4,1 1,0 2,2-3,0-3,-3-5,-3-4,-2-8</inkml:trace>
+  <inkml:trace contextRef="#ctx0" brushRef="#br0" timeOffset="2940.714">5475 738,'25'-10,"34"-8,28-7,19-4,6 4,-5 5,-11 1,-11 4,-16-1,-14 3,-11 3,-13 4</inkml:trace>
+  <inkml:trace contextRef="#ctx0" brushRef="#br0" timeOffset="3735.842">6671 738,'1'27,"1"0,2 0,0-1,2 1,1-1,1-1,2 1,0-2,1 1,2-1,0-1,2 0,0-1,2-1,0 0,8 6,-11-18,1 0,0-1,0-1,0 0,1-1,0-1,0 0,1-1,-1-1,1 0,-1-2,1 0,0 0,0-2,0 0,0-1,-1-1,1 0,-1-1,0-1,0 0,0-1,-1-1,4-3,-11 3,0-1,0 0,-1 0,-1-1,1 1,-1-2,-1 1,0 0,0-1,-1 0,0 0,0-1,-2 1,1-1,-1 0,0 1,-1-1,-1 0,0 0,0 0,-1 0,0 1,-1-1,0 0,-1 1,0-1,-1 1,0 0,0 0,-1 0,0 1,-7-9,1 1,0 0,-1 0,-1 1,0 1,-2 0,1 1,-2 1,0 0,0 1,-1 1,-1 0,0 1,0 1,-1 1,0 1,0 0,-1 2,0 0,0 1,0 1,0 1,-1 0,-12 2,26 2,0 1,0 0,0 0,0 1,1 0,-1 0,1 1,0-1,0 1,1 0,0 1,0 0,0-1,0 1,1 1,0-1,0 1,1 0,-1 0,2 0,-1 0,1 0,0 1,0-1,1 1,0-1,1 1,-1-1,2 1,-1 0,1-1,1 5,-3 22</inkml:trace>
+  <inkml:trace contextRef="#ctx0" brushRef="#br0" timeOffset="5106.094">7507 678,'49'203,"-43"-155,22 146,-34-236,1-1,3 1,1 0,2-1,2 1,1 0,3 0,1 0,2 1,2 0,2 1,3-4,-13 38,0-1,0 1,0 0,1 0,-1 0,1 1,1 0,-1 0,1 0,0 1,0-1,0 1,1 1,-1-1,1 1,0 1,0-1,0 1,0 0,0 0,1 1,-1 0,0 1,1-1,-1 2,0-1,1 1,-1 0,0 0,2 1,180 8,-185-9,0-1,0 2,0-1,0 0,-1 1,1 0,-1 0,1 0,-1 0,1 0,-1 1,0-1,0 1,0 0,-1 0,1 0,-1 0,0 1,1-1,-1 1,-1-1,1 1,-1 0,1-1,-1 1,0 0,0 0,-1 0,1 0,-1 0,0 0,0 0,0 0,0 0,-1 0,0 0,-1 4,1-2,0 1,0-1,-1 0,0 0,-1 0,1 0,-1 0,0 0,0-1,-1 1,0-1,0 0,0 0,-1 0,1-1,-1 1,0-1,0 0,-1-1,1 1,-1-1,0 0,-5 2,-10-1,18-4,1-1,-1 1,0 0,0-1,0 1,0 1,0-1,0 0,0 1,0 0,0-1,0 1,0 0,0 1,1-1,-1 0,0 1,1-1,0 1,-1 0,1 0,0 0,0 0,0 0,0 1,0-1,0 0,1 1,-1 0,1-1,-1 1,1 0,0 0,0-1,1 1,-1 0,1 0,-1 0,1 0,0 0,0 0,0 0,0 0,1 0,-1 0,2 2,5 6,1-1,0 1,0-2,2 1,-1-1,1 0,0-1,1 0,0-1,0 0,0-1,1 0,0-1,0 0,4 0,67 37,-67-32,-10-8,-1 0,1 1,-1-1,0 1,0 0,0 0,0 1,-1-1,1 1,-1 0,0 1,0-1,0 1,-1-1,1 1,-1 0,-1 0,1 1,-1-1,1 0,-2 1,1 0,0-1,-1 1,0 0,-1 0,1 0,-1 0,0 1,-10 27</inkml:trace>
+</inkml:ink>
+</file>
+
+<file path=ppt/ink/ink2.xml><?xml version="1.0" encoding="utf-8"?>
+<inkml:ink xmlns:inkml="http://www.w3.org/2003/InkML">
+  <inkml:definitions>
+    <inkml:context xml:id="ctx0">
+      <inkml:inkSource xml:id="inkSrc0">
+        <inkml:traceFormat>
+          <inkml:channel name="X" type="integer" min="-2.14748E9" max="2.14748E9" units="cm"/>
+          <inkml:channel name="Y" type="integer" min="-2.14748E9" max="2.14748E9" units="cm"/>
+        </inkml:traceFormat>
+        <inkml:channelProperties>
+          <inkml:channelProperty channel="X" name="resolution" value="1000" units="1/cm"/>
+          <inkml:channelProperty channel="Y" name="resolution" value="1000" units="1/cm"/>
+        </inkml:channelProperties>
+      </inkml:inkSource>
+      <inkml:timestamp xml:id="ts0" timeString="2024-04-17T23:56:11.690"/>
+    </inkml:context>
+    <inkml:brush xml:id="br0">
+      <inkml:brushProperty name="width" value="0.05" units="cm"/>
+      <inkml:brushProperty name="height" value="0.05" units="cm"/>
+      <inkml:brushProperty name="color" value="#E71224"/>
+      <inkml:brushProperty name="ignorePressure" value="1"/>
+    </inkml:brush>
+  </inkml:definitions>
+  <inkml:trace contextRef="#ctx0" brushRef="#br0">219 126,'2'6,"-1"-1,1 1,0-1,0 0,1 0,-1 0,1 0,0 0,1 0,-1-1,1 0,0 0,0 0,0 0,0 0,1-1,0 0,0 1,-3-6,0 0,0 1,0-1,0 0,0 0,0 0,0 0,-1 0,1-1,-1 1,0 0,0-1,0 1,0-1,0 0,0 1,-1-1,1 0,-1 1,0-1,0 0,0 1,0-1,0 0,0 1,-1-1,1 0,-1 1,0-1,0 0,-1-4,-1-1,1 1,-2-1,1 1,-1 0,0 0,0 0,-1 1,0 0,0 0,-1 0,0 0,0 1,0 0,0 0,-1 1,0-1,0 2,0-1,0 1,-1 0,1 0,-1 1,0 0,0 0,0 1,1 0,-1 1,0-1,0 1,0 1,0 0,0 0,0 0,0 1,0 1,1-1,-1 1,1 0,-3 2,8-4,0 0,-1 0,1 0,0 0,0 0,0 1,0-1,0 1,0 0,0-1,0 1,1 0,-1 0,1 0,-1 0,1 1,0-1,0 0,0 0,0 1,0-1,0 1,1-1,-1 1,1-1,0 1,0-1,0 1,0-1,0 1,0-1,1 1,-1-1,1 1,0-1,-1 0,1 1,0-1,1 0,-1 1,0-1,1 0,-1 0,1 0,-1 0,1-1,1 2,107 60,-107-61,0-1,0 1,0-1,1 0,-1 0,0-1,1 1,-1-1,0 1,1-1,-1 0,1 0,-1-1,0 1,1-1,-1 1,0-1,1 0,-1 0,0-1,0 1,0-1,0 1,0-1,0 0,-1 0,1-1,-1 1,1 0,-1-1,0 1,0-1,0 0,0 0,0 0,-1 0,1 0,-1 0,0 0,0 0,0-1,-26-24,6 20</inkml:trace>
+</inkml:ink>
+</file>
+
+<file path=ppt/ink/ink3.xml><?xml version="1.0" encoding="utf-8"?>
+<inkml:ink xmlns:inkml="http://www.w3.org/2003/InkML">
+  <inkml:definitions>
+    <inkml:context xml:id="ctx0">
+      <inkml:inkSource xml:id="inkSrc0">
+        <inkml:traceFormat>
+          <inkml:channel name="X" type="integer" min="-2.14748E9" max="2.14748E9" units="cm"/>
+          <inkml:channel name="Y" type="integer" min="-2.14748E9" max="2.14748E9" units="cm"/>
+        </inkml:traceFormat>
+        <inkml:channelProperties>
+          <inkml:channelProperty channel="X" name="resolution" value="1000" units="1/cm"/>
+          <inkml:channelProperty channel="Y" name="resolution" value="1000" units="1/cm"/>
+        </inkml:channelProperties>
+      </inkml:inkSource>
+      <inkml:timestamp xml:id="ts0" timeString="2024-04-17T23:56:18.670"/>
+    </inkml:context>
+    <inkml:brush xml:id="br0">
+      <inkml:brushProperty name="width" value="0.05" units="cm"/>
+      <inkml:brushProperty name="height" value="0.05" units="cm"/>
+      <inkml:brushProperty name="color" value="#E71224"/>
+      <inkml:brushProperty name="ignorePressure" value="1"/>
+    </inkml:brush>
+  </inkml:definitions>
+  <inkml:trace contextRef="#ctx0" brushRef="#br0">58 64,'0'3,"1"1,0 0,0 0,0 0,0-1,1 1,-1-1,1 1,0-1,0 1,0-1,1 0,-1 0,1 0,0-1,0 1,0 0,0-1,0 0,0 0,1 0,-1 0,1 0,-1-1,1 1,0-1,-1 0,1 0,0-1,0 1,0-1,0 0,0 0,-1 0,1 0,0-1,0 1,0-1,0 0,-1-1,1 1,0 0,-1-1,1 0,-1 0,0 0,1 0,-1-1,0 1,-1-1,1 1,0-1,-1 0,1 0,-1-1,0 1,0 0,0-1,-1 1,1-1,-1 0,0 1,0-1,0 0,0 0,-1 0,1 1,-1-1,0 0,0-1,-4 0,1 1,-1 1,0-1,0 1,0-1,0 1,-1 0,1 1,-1-1,0 1,1 0,-1 0,0 0,0 1,-1 0,1 0,0 0,0 1,-1-1,1 1,0 0,0 1,-1 0,1-1,0 1,0 1,0-1,0 1,0 0,0 0,0 1,1-1,-1 1,1 0,0 0,0 1,-3 2,3-4,0 1,0 0,0 0,1 0,-1 1,1-1,0 1,0 0,0 0,0 0,1 0,0 0,-1 1,2-1,-1 1,0-1,1 1,0 0,0 0,1-1,-1 1,1 0,0 0,0 0,0 0,1-1,0 1,0 0,0 0,0-1,1 1,0-1,0 1,0-1,1 0,-1 0,1 0,0 0,0 0,0 0,1-1,-1 0,1 0,0 0,0 0,0 0,0-1,0 1,5 1,4 0,0 0,0-1,1-1,-1 0,1 0,0-1,0-1,-1 0,1-1,0-1,-1 0,12-4,-22 5,0-1,0 1,-1-1,1 0,0 0,-1 0,1 0,-1 0,0-1,1 1,-1-1,-1 1,1-1,0 0,0 0,-1 0,0 0,0 0,0 0,0 0,0 0,0 0,-1-1,1 1,-1 0,0 0,0-1,-1 1,1 0,0 0,-1-1,0 1,0 0,0 0,0 0,0 0,-1 0,0 0,1 0,-1 1,0-1,0 0,0 1,-1 0,1-1,0 1,-1 0,0 0,1 1,-1-1,0 0,0 1,0 0,-1-1,-144-6,121 16</inkml:trace>
+</inkml:ink>
+</file>
+
+<file path=ppt/ink/ink4.xml><?xml version="1.0" encoding="utf-8"?>
+<inkml:ink xmlns:inkml="http://www.w3.org/2003/InkML">
+  <inkml:definitions>
+    <inkml:context xml:id="ctx0">
+      <inkml:inkSource xml:id="inkSrc0">
+        <inkml:traceFormat>
+          <inkml:channel name="X" type="integer" min="-2.14748E9" max="2.14748E9" units="cm"/>
+          <inkml:channel name="Y" type="integer" min="-2.14748E9" max="2.14748E9" units="cm"/>
+        </inkml:traceFormat>
+        <inkml:channelProperties>
+          <inkml:channelProperty channel="X" name="resolution" value="1000" units="1/cm"/>
+          <inkml:channelProperty channel="Y" name="resolution" value="1000" units="1/cm"/>
+        </inkml:channelProperties>
+      </inkml:inkSource>
+      <inkml:timestamp xml:id="ts0" timeString="2024-04-17T23:56:19.609"/>
+    </inkml:context>
+    <inkml:brush xml:id="br0">
+      <inkml:brushProperty name="width" value="0.05" units="cm"/>
+      <inkml:brushProperty name="height" value="0.05" units="cm"/>
+      <inkml:brushProperty name="color" value="#E71224"/>
+      <inkml:brushProperty name="ignorePressure" value="1"/>
+    </inkml:brush>
+  </inkml:definitions>
+  <inkml:trace contextRef="#ctx0" brushRef="#br0">185 97,'-23'74,"7"-1,4 2,3-1,4 1,2 1,8 70,-3-53,-2-22,-29-128,-2-90,6-1,6-1,6-26,11 170,1 0,0-1,0 1,0 0,1-1,-1 1,1-1,1 1,-1-1,1 1,0 0,0-1,0 1,1 0,0 0,0 0,0 0,1 0,0 0,0 1,0-1,0 1,0 0,1 0,0 0,0 1,0-1,1 1,-1 0,1 0,-1 0,1 1,0-1,0 1,2 0,27-5,1 2,-1 1,1 2,-1 1,1 2,31 4,-62-4,-1-1,0 1,1 0,-1 0,0 0,0 0,0 0,0 1,0-1,0 1,0 0,0 0,-1 0,1 0,-1 1,1-1,-1 1,0-1,0 1,0 0,0 0,-1 0,1 0,-1 0,0 0,0 0,0 0,0 1,0-1,-1 0,1 1,-1-1,0 0,0 1,0-1,-1 1,0 2,-38 121,32-114,-2 0,1-1,-2 0,0-1,0 0,-1-1,0 0,-1 0,0-1,0-1,-1 0,0-1,-1 0,1-1,-1 0,-1-1,1-1,-1 0,1-1,-1-1,0 0,-8-1,-5-1</inkml:trace>
+</inkml:ink>
+</file>
+
+<file path=ppt/ink/ink5.xml><?xml version="1.0" encoding="utf-8"?>
+<inkml:ink xmlns:inkml="http://www.w3.org/2003/InkML">
+  <inkml:definitions>
+    <inkml:context xml:id="ctx0">
+      <inkml:inkSource xml:id="inkSrc0">
+        <inkml:traceFormat>
+          <inkml:channel name="X" type="integer" min="-2.14748E9" max="2.14748E9" units="cm"/>
+          <inkml:channel name="Y" type="integer" min="-2.14748E9" max="2.14748E9" units="cm"/>
+        </inkml:traceFormat>
+        <inkml:channelProperties>
+          <inkml:channelProperty channel="X" name="resolution" value="1000" units="1/cm"/>
+          <inkml:channelProperty channel="Y" name="resolution" value="1000" units="1/cm"/>
+        </inkml:channelProperties>
+      </inkml:inkSource>
+      <inkml:timestamp xml:id="ts0" timeString="2024-04-17T23:56:20.947"/>
+    </inkml:context>
+    <inkml:brush xml:id="br0">
+      <inkml:brushProperty name="width" value="0.05" units="cm"/>
+      <inkml:brushProperty name="height" value="0.05" units="cm"/>
+      <inkml:brushProperty name="color" value="#E71224"/>
+      <inkml:brushProperty name="ignorePressure" value="1"/>
+    </inkml:brush>
+  </inkml:definitions>
+  <inkml:trace contextRef="#ctx0" brushRef="#br0">179 90,'0'10,"0"14,0 12,0 16,0 9,0 5,0 0,0-5,0-3,0-6,0-7,0-6,0-5,0-8</inkml:trace>
+  <inkml:trace contextRef="#ctx0" brushRef="#br0" timeOffset="429.785">1 300,'10'0,"34"0,25 0,10 0,3 0,-9 0,-10 0,-12-5,-14-7,-9-2,-8 3</inkml:trace>
+  <inkml:trace contextRef="#ctx0" brushRef="#br0" timeOffset="1397.223">688 0,'18'42,"-7"60,-5 0,-4 1,-6 27,1 18,4-50,0-97,0 0,0 0,1 0,-1 0,0 0,1 0,-1-1,1 1,-1 0,1-1,-1 1,1-1,-1 0,1 1,-1-1,1 0,0 0,-1 0,1 0,-1 0,1 0,0-1,-1 1,1 0,-1-1,1 1,-1-1,1 0,-1 1,1-1,-1 0,0 0,1 0,-1 0,0 0,0 0,0 0,0-1,0 1,0 0,0-1,0 1,-1 0,1-1,0 1,-1-1,1 1,-1-1,1 0,-1 1,0-1,0 1,0-2,7-4,194-227,-197 230,0 0,1 1,-1-1,1 1,0 0,0 0,0 0,0 0,1 1,-1 0,1 0,-1 1,1-1,0 1,-1 0,1 1,0 0,0 0,0 0,-1 0,1 1,0 0,-1 0,1 1,0-1,-1 1,0 0,1 1,-1-1,0 1,0 0,0 1,-1-1,1 1,-1 0,0 0,0 0,0 0,0 1,-1 0,0 0,0 0,0 0,-1 0,1 0,0 4,13 214,-17-188</inkml:trace>
+  <inkml:trace contextRef="#ctx0" brushRef="#br0" timeOffset="2206.795">1495 478,'-1'61,"-2"-43,1-1,1 1,1-1,0 1,1 0,1-1,1 1,1-1,0 0,1 0,1 0,0-1,1 0,1 0,0-1,3 2,-6-12,1 0,-1-1,1 0,0-1,0 1,0-1,1 0,-1-1,1 1,0-1,0-1,-1 1,1-1,0 0,0-1,0 0,0 0,0 0,0-1,0 0,0 0,0-1,0 0,-1 0,1 0,-1-1,0 0,1 0,-1-1,-1 0,1 0,0 0,-1-1,0 0,0 0,0 0,-1 0,0-1,0 0,0-1,8-11,-1-2,0 1,-2-1,0-1,-2 0,0 0,-1-1,-2 1,0-1,-1 0,-1 0,-1 0,-1-1,-1 1,-1 0,-1 0,-5-21,3 36,0-1,0 1,-1 1,0-1,0 1,-1 0,0 1,0-1,0 1,0 1,-1-1,0 1,0 1,0-1,0 2,0-1,-1 1,0 0,1 0,-1 1,0 1,1-1,-1 1,0 1,0 0,1 0,-1 0,0 1,1 1,0-1,-1 2,1-1,0 1,1 0,-1 0,1 1,0 0,0 0,0 1,1 0,-1 0,1 1,-4 7,0 0,1 0,0 1,1 1,1-1,0 1,1 0,1 1,1 0,0-1,1 1,1 0,0 1,1 0,-1 20</inkml:trace>
+  <inkml:trace contextRef="#ctx0" brushRef="#br0" timeOffset="3906.75">2093 300,'252'6,"-247"-5,0 1,-1 0,1 0,-1 0,0 1,1 0,-1 0,0 0,-1 0,1 0,0 1,-1-1,0 1,0 0,0 0,0 0,-1 1,0-1,0 1,0-1,0 1,0 0,-1 0,0-1,0 1,-1 0,1 1,0 150,-4-111,-6 166,-10-265,15 25,1 0,0-1,3 1,0-1,2 0,1 1,2 0,0 0,2 0,1 0,2 1,0 1,2 0,4-5,-14 30,1 0,0 0,0 0,0 0,0 1,0-1,0 1,0 0,0 0,1 0,-1 0,0 1,1-1,-1 1,1 0,-1 0,0 0,1 0,-1 1,1-1,-1 1,0 0,0 0,1 0,-1 0,0 1,0-1,0 1,0 0,0 0,-1 0,1 0,-1 0,1 1,-1-1,0 1,0 0,0-1,0 1,0 0,-1 0,1 0,-1 0,0 1,0-1,0 0,0 0,0 1,-1-1,0 1,0-1,0 0,0 1,0-1,0 1,13 61,-2 0,-4 1,-2 0,-4 52,43 14,-36-111,-3-1</inkml:trace>
+</inkml:ink>
+</file>
+
+<file path=ppt/ink/ink6.xml><?xml version="1.0" encoding="utf-8"?>
+<inkml:ink xmlns:inkml="http://www.w3.org/2003/InkML">
+  <inkml:definitions>
+    <inkml:context xml:id="ctx0">
+      <inkml:inkSource xml:id="inkSrc0">
+        <inkml:traceFormat>
+          <inkml:channel name="X" type="integer" min="-2.14748E9" max="2.14748E9" units="cm"/>
+          <inkml:channel name="Y" type="integer" min="-2.14748E9" max="2.14748E9" units="cm"/>
+        </inkml:traceFormat>
+        <inkml:channelProperties>
+          <inkml:channelProperty channel="X" name="resolution" value="1000" units="1/cm"/>
+          <inkml:channelProperty channel="Y" name="resolution" value="1000" units="1/cm"/>
+        </inkml:channelProperties>
+      </inkml:inkSource>
+      <inkml:timestamp xml:id="ts0" timeString="2024-04-17T23:56:20.038"/>
+    </inkml:context>
+    <inkml:brush xml:id="br0">
+      <inkml:brushProperty name="width" value="0.05" units="cm"/>
+      <inkml:brushProperty name="height" value="0.05" units="cm"/>
+      <inkml:brushProperty name="color" value="#E71224"/>
+      <inkml:brushProperty name="ignorePressure" value="1"/>
+    </inkml:brush>
+  </inkml:definitions>
+  <inkml:trace contextRef="#ctx0" brushRef="#br0">1 0,'5'0,"2"5,4 7,12 11,5 7,5 4,5 6,3 1,-2 4,-1-6,-3-4,-2-3,-7-2,-2-7,-6-1,-1-4,-2-6</inkml:trace>
+  <inkml:trace contextRef="#ctx0" brushRef="#br0" timeOffset="446.45">629 120,'-4'24,"0"0,-2 0,0 0,-2-1,-1 0,0 0,-2-1,0 0,-2-1,0 0,-2-1,-8 9,11-12,-71 91,66-91,1 1,0 0,1 1,1 1,1 0,1 1,1 1,1-1,0 2,2-1,1 1,0 1,2-1,1 1,-1 17,6-15</inkml:trace>
+</inkml:ink>
+</file>
+
+<file path=ppt/ink/ink7.xml><?xml version="1.0" encoding="utf-8"?>
+<inkml:ink xmlns:inkml="http://www.w3.org/2003/InkML">
+  <inkml:definitions>
+    <inkml:context xml:id="ctx0">
+      <inkml:inkSource xml:id="inkSrc0">
+        <inkml:traceFormat>
+          <inkml:channel name="X" type="integer" min="-2.14748E9" max="2.14748E9" units="cm"/>
+          <inkml:channel name="Y" type="integer" min="-2.14748E9" max="2.14748E9" units="cm"/>
+        </inkml:traceFormat>
+        <inkml:channelProperties>
+          <inkml:channelProperty channel="X" name="resolution" value="1000" units="1/cm"/>
+          <inkml:channelProperty channel="Y" name="resolution" value="1000" units="1/cm"/>
+        </inkml:channelProperties>
+      </inkml:inkSource>
+      <inkml:timestamp xml:id="ts0" timeString="2024-04-17T23:56:14.762"/>
+    </inkml:context>
+    <inkml:brush xml:id="br0">
+      <inkml:brushProperty name="width" value="0.05" units="cm"/>
+      <inkml:brushProperty name="height" value="0.05" units="cm"/>
+      <inkml:brushProperty name="color" value="#E71224"/>
+      <inkml:brushProperty name="ignorePressure" value="1"/>
+    </inkml:brush>
+  </inkml:definitions>
+  <inkml:trace contextRef="#ctx0" brushRef="#br0">56 181,'-47'349,"38"-325,11-52,5-18,3 1,1 0,3 0,1 1,3 1,1 1,2 0,2 2,1 0,14-15,-35 52,-1 0,0 0,1 0,0 1,-1-1,1 1,0-1,1 1,-1 0,0 0,1 0,-1 1,1-1,-1 1,1 0,0 0,-1 0,1 0,0 1,0-1,-1 1,1 0,0 0,0 1,0-1,0 1,-1 0,1-1,0 2,-1-1,1 0,-1 1,1 0,-1 0,0 0,0 0,1 0,-2 1,1-1,0 1,0 0,-1 0,0 0,1 0,-1 0,0 0,-1 1,2 1,11 18,-2 0,0 1,-2 1,0 0,-2 0,0 0,-2 1,-1 0,-1 1,-1-1,-2 1,0-1,-2 1,-1 5,-8 7,-12-57,-50-173,66 184,0 0,-1 1,0 0,0 1,0-1,-1 1,1 1,-1-1,0 1,-1 1,1-1,-1 2,1-1,-1 1,0 0,0 1,0 0,0 0,0 1,0 0,0 1,0 0,0 0,0 1,0 0,5-2,1 0,0 1,0-1,0 0,0 1,-1 0,1-1,0 1,0 0,0 1,1-1,-1 0,0 1,0 0,1 0,-1 0,1 0,-1 0,1 0,0 0,0 1,0-1,-1 2,1 9</inkml:trace>
+  <inkml:trace contextRef="#ctx0" brushRef="#br0" timeOffset="1063.992">863 91,'-27'0,"-148"17,169-16,0 1,1 1,-1-1,1 1,-1 0,1 0,0 1,0-1,0 1,1 0,-1 1,1-1,0 1,0 0,1 0,0 0,-1 0,1 0,1 1,-1 0,1-1,0 1,1 0,-1 0,1 0,0 6,0-5,1 1,1-1,-1 1,1-1,1 1,-1-1,1 0,1 0,-1 0,1 0,0 0,1 0,0-1,0 1,0-1,1 0,-1 0,2-1,-1 0,0 0,1 0,0 0,0-1,1 0,-1 0,1-1,0 1,0-2,0 1,0-1,0 0,1 0,-1-1,0 0,8 0,71 53,-84-53,-1 1,1-1,-1 1,0 0,1 0,-1-1,0 1,0 0,0 0,0 0,-1 0,1 0,0 0,-1 0,1 0,-1 1,0-1,0 0,0 0,0 0,0 0,0 0,-1 1,1-1,-1 0,1 0,-1 0,0 0,0 0,0 0,0 0,0-1,0 1,-1 0,1 0,0-1,-1 1,0-1,1 1,-1-1,0 0,0 0,1 0,-3 1,-108 21,84-23</inkml:trace>
+  <inkml:trace contextRef="#ctx0" brushRef="#br0" timeOffset="1621.201">1222 32,'0'5,"0"12,0 8,0 5,-5 7,-2 3,0 5,-3 9,-1 1,-2 2,-1-5,4-5,2-6,3-5,3-3,1-8</inkml:trace>
+  <inkml:trace contextRef="#ctx0" brushRef="#br0" timeOffset="2403.765">1609 211,'-94'30,"-157"38,250-64,-1-1,1 1,-1 0,1 0,0-1,1 1,-1 0,1 0,-1 0,1 0,0 0,1 0,-1 0,1-1,0 1,0 0,0 0,0 0,0-1,1 1,0-1,0 1,0-1,0 0,0 0,1 0,-1 0,1 0,0 0,0-1,0 1,0-1,0 0,1 0,-1 0,1 0,1 0,8 12,137 140,-149-152,1 0,0 0,-1 0,1 0,-1 0,0 0,1 0,-1 0,0 1,0-1,-1 0,1 1,0-1,-1 1,0-1,1 1,-1-1,0 1,0-1,0 1,-1-1,1 1,-1-1,1 0,-1 1,0-1,0 0,0 1,0-1,0 0,0 0,-1 0,1 0,-1 0,1 0,-1 0,0 0,0-1,0 1,0-1,0 1,0-1,0 0,-1 0,1 0,0 0,-1 0,1 0,0-1,-1 1,-1-1,-30 12</inkml:trace>
+</inkml:ink>
+</file>
+
+<file path=ppt/ink/ink8.xml><?xml version="1.0" encoding="utf-8"?>
+<inkml:ink xmlns:inkml="http://www.w3.org/2003/InkML">
+  <inkml:definitions>
+    <inkml:context xml:id="ctx0">
+      <inkml:inkSource xml:id="inkSrc0">
+        <inkml:traceFormat>
+          <inkml:channel name="X" type="integer" min="-2.14748E9" max="2.14748E9" units="cm"/>
+          <inkml:channel name="Y" type="integer" min="-2.14748E9" max="2.14748E9" units="cm"/>
+        </inkml:traceFormat>
+        <inkml:channelProperties>
+          <inkml:channelProperty channel="X" name="resolution" value="1000" units="1/cm"/>
+          <inkml:channelProperty channel="Y" name="resolution" value="1000" units="1/cm"/>
+        </inkml:channelProperties>
+      </inkml:inkSource>
+      <inkml:timestamp xml:id="ts0" timeString="2024-04-17T23:56:12.550"/>
+    </inkml:context>
+    <inkml:brush xml:id="br0">
+      <inkml:brushProperty name="width" value="0.05" units="cm"/>
+      <inkml:brushProperty name="height" value="0.05" units="cm"/>
+      <inkml:brushProperty name="color" value="#E71224"/>
+      <inkml:brushProperty name="ignorePressure" value="1"/>
+    </inkml:brush>
+  </inkml:definitions>
+  <inkml:trace contextRef="#ctx0" brushRef="#br0">1 329,'42'161,"63"177,-84-318,-21-76,-20-515,20 565,0 1,0-1,1 0,0 1,0 0,0-1,1 1,0 0,0-1,0 1,0 0,1 1,0-1,0 0,0 1,1-1,-1 1,1 0,0 0,0 1,1-1,-1 1,1 0,0 0,-1 0,1 1,1 0,-1 0,0 0,0 0,1 1,-1 0,1 0,-1 1,4-1,29-3,-4 2</inkml:trace>
+  <inkml:trace contextRef="#ctx0" brushRef="#br0" timeOffset="416.365">121 508,'5'0,"6"0,13 5,6 2,14-1,4 0,-6 2,-5 1,-4-1,-7-2</inkml:trace>
+  <inkml:trace contextRef="#ctx0" brushRef="#br0" timeOffset="1051.385">718 0,'23'36,"-10"10,-3 1,-1 0,-3 0,-1 0,-3 1,-2 0,-5 43,3 8,6 37,2-110</inkml:trace>
+</inkml:ink>
+</file>
+
+<file path=ppt/ink/ink9.xml><?xml version="1.0" encoding="utf-8"?>
+<inkml:ink xmlns:inkml="http://www.w3.org/2003/InkML">
+  <inkml:definitions>
+    <inkml:context xml:id="ctx0">
+      <inkml:inkSource xml:id="inkSrc0">
+        <inkml:traceFormat>
+          <inkml:channel name="X" type="integer" min="-2.14748E9" max="2.14748E9" units="cm"/>
+          <inkml:channel name="Y" type="integer" min="-2.14748E9" max="2.14748E9" units="cm"/>
+        </inkml:traceFormat>
+        <inkml:channelProperties>
+          <inkml:channelProperty channel="X" name="resolution" value="1000" units="1/cm"/>
+          <inkml:channelProperty channel="Y" name="resolution" value="1000" units="1/cm"/>
+        </inkml:channelProperties>
+      </inkml:inkSource>
+      <inkml:timestamp xml:id="ts0" timeString="2024-04-17T23:56:28.190"/>
+    </inkml:context>
+    <inkml:brush xml:id="br0">
+      <inkml:brushProperty name="width" value="0.05" units="cm"/>
+      <inkml:brushProperty name="height" value="0.05" units="cm"/>
+      <inkml:brushProperty name="color" value="#E71224"/>
+      <inkml:brushProperty name="ignorePressure" value="1"/>
+    </inkml:brush>
+  </inkml:definitions>
+  <inkml:trace contextRef="#ctx0" brushRef="#br0">25 347,'-3'2,"1"1,0-1,0 1,0 0,0 0,0 0,1 0,-1 0,1 0,0 1,0-1,0 0,0 1,1-1,-1 0,1 1,0-1,0 1,0-1,0 1,1-1,0 1,-1-1,4 2,0-1,0 0,1 0,-1 0,1 0,0-1,0 1,0-1,0-1,0 1,1-1,-1 0,1 0,0 0,-1-1,1 0,0 0,0-1,0 1,0-1,0 0,0-1,-1 0,1 0,4-1,-4 2,6 0,1 0,-1-1,1-1,-1 0,0-1,0 0,0-1,0 0,0-1,-1 0,0-1,0 0,0 0,-1-2,0 1,0-1,-1-1,0 1,-1-2,0 1,0-1,-1 0,0-1,-1 0,0 0,0 0,-1-1,-1 1,0-1,-1 0,0 0,-1-1,1-7,-9-164,5 183,0-1,0 0,0 1,0-1,-1 1,1 0,0-1,0 1,-1 0,1 0,-1 0,1 0,-1 0,0 0,1 0,-1 0,0 1,0-1,1 1,-1-1,0 1,0 0,0-1,1 1,-1 0,0 0,0 1,0-1,0 0,1 1,-1-1,0 1,0-1,0 1,1 0,-1-1,1 1,-1 0,0 0,1 1,0-1,-1 0,1 0,-2 2,-66 56,61-48,0 0,0 0,1 1,0 0,1 0,1 0,0 1,1 0,0 0,1 0,0 1,1-1,0 0,2 1,-1 0,2-1,0 9,0-22,-1-1,1 1,-1 0,0 0,1 0,-1 0,1 0,-1 0,1 0,-1 0,1 0,-1 0,1 0,-1 0,1 0,-1 0,1 0,-1 0,1 0,-1 0,0 1,1-1,-1 0,1 0,-1 1,1-1,-1 0,0 1,1-1,-1 0,0 1,1-1,-1 0,0 1,0-1,1 1,-1-1,0 1,0-1,0 0,0 1,1-1,-1 1,0-1,0 1,0-1,0 1,0-1,0 1,0-1,0 1,-1-1,1 1,0-1,0 1,0-1,0 1,-1-1,14-39,-13 36,1 0,0 0,-1 1,0-1,0 0,0 0,0 0,0 1,-1-1,1 0,-1 0,0 1,1-1,-1 0,-1 1,1-1,0 1,0-1,-1 1,0 0,1 0,-1-1,0 1,0 0,0 1,0-1,-1 0,1 1,0-1,-1 1,1-1,-1 1,1 0,-1 0,0 0,1 1,-1-1,0 1,0-1,1 1,-1 0,0 0,0 0,0 1,1-1,-1 0,0 1,0 0,1 0,-2 0,5-2,0-1,0 0,0 1,1-1,-1 1,0 0,1-1,0 1,-1 0,1 0,0 0,-1 0,1 0,0 0,0 1,0-1,0 0,0 1,0 0,0-1,0 1,0 0,0 0,0 0,0 0,0 1,0-1,-1 0,1 1,0-1,0 1,0 0,0 0,0 0,-1 0,1 0,0 0,-1 0,1 0,-1 1,1-1,-1 0,0 1,1 0,-1-1,0 1,0 0,0-1,0 1,-1 0,1 0,0 0,-1 0,1 0,-1 0,0 0,0 0,1 0,-1 0,0 0,-1 0,1-1,0 1,-1 0,1 0,-1 0,1 0,-2 2,3-5,0 1,-1 0,1-1,0 1,0-1,-1 1,1-1,0 1,-1-1,1 0,0 1,-1-1,1 0,-1 1,1-1,-1 0,0 0,1 0,-1 1,0-1,1 0,-1 0,0 0,0 0,0 0,0 1,0-1,0 0,0 0,0 0,0 0,0 0,0 0,-1 1,1-1,0 0,-1 0,1 0,0 0,-1 1,1-1,-1 0,0 1,1-1,-1 0,1 1,-1-1,0 1,1-1,-1 1,0-1,0 1,0-1,1 1,-1 0,0-1,0 1,0 0,0 1,0-1,1 1,-1 0,0 0,0 0,1 0,-1 0,1 0,-1 0,1 0,-1 0,1 0,0 0,-1 0,1 0,0 0,0 0,0 0,0 1,0-1,0 0,0 0,0 0,0 0,0 0,1 0,-1 0,1 0,-1 0,0 0,1 0,0 0,-1 0,1 0,0 0,-1 0,1 0,0 0,0-1,0 1,-1 0,1-1,0 1,0 0,0-1,0 0,0 1,0-1,1 1,-1-1,0 0,0 0,0 0,1 1,65 19,-63-20,0 1,0 0,0-1,0 0,0 0,0 0,0 0,0-1,0 0,0 0,0 0,0 0,0 0,0-1,-1 0,1 1,-1-1,1-1,-1 1,0 0,0-1,0 0,0 0,0 0,0 0,-1 0,1 0,-1-1,0 1,0-1,-1 0,1 0,-1 1,0-1,1 0,-2 0,1 0,0 0,-1 0,0 0,0 0,0-5,-2 6,0 0,-1 0,1 0,0 0,-1 0,0 1,1-1,-1 1,0-1,0 1,-1 0,1 0,0 0,-1 1,1-1,-1 1,0 0,1 0,-1 0,0 1,1-1,-1 1,0 0,0 0,0 0,1 0,-1 1,0-1,0 1,1 0,-1 0,1 1,-1-1,1 1,-1 0,1-1,0 1,0 1,0-1,0 0,0 1,0 0,1 0,-2 1,0 0,1 0,-1 1,1-1,0 0,1 1,-1 0,1 0,0 0,0 0,0 0,1 0,-1 0,1 0,1 0,-1 1,1-1,0 0,0 1,0-1,1 0,0 1,0-1,0 0,1 0,0 0,0 0,0 0,0 0,1-1,0 1,0-1,0 1,0-1,1 0,0 0,1 0,85 31,-39-22</inkml:trace>
+</inkml:ink>
+</file>
+
 <file path=ppt/slideLayouts/slideLayout1.xml><?xml version="1.0" encoding="utf-8"?>
 <p:sldLayout xmlns:a="http://schemas.openxmlformats.org/drawingml/2006/main" xmlns:r="http://schemas.openxmlformats.org/officeDocument/2006/relationships" xmlns:p="http://schemas.openxmlformats.org/presentationml/2006/main" type="title" preserve="1">
   <p:cSld name="Slide de Título">
@@ -305,7 +832,7 @@
           <a:p>
             <a:fld id="{FBE464A9-5F3D-4594-9014-F468C1154056}" type="datetimeFigureOut">
               <a:rPr lang="pt-BR" smtClean="0"/>
-              <a:t>16/04/2024</a:t>
+              <a:t>17/04/2024</a:t>
             </a:fld>
             <a:endParaRPr lang="pt-BR"/>
           </a:p>
@@ -503,7 +1030,7 @@
           <a:p>
             <a:fld id="{FBE464A9-5F3D-4594-9014-F468C1154056}" type="datetimeFigureOut">
               <a:rPr lang="pt-BR" smtClean="0"/>
-              <a:t>16/04/2024</a:t>
+              <a:t>17/04/2024</a:t>
             </a:fld>
             <a:endParaRPr lang="pt-BR"/>
           </a:p>
@@ -711,7 +1238,7 @@
           <a:p>
             <a:fld id="{FBE464A9-5F3D-4594-9014-F468C1154056}" type="datetimeFigureOut">
               <a:rPr lang="pt-BR" smtClean="0"/>
-              <a:t>16/04/2024</a:t>
+              <a:t>17/04/2024</a:t>
             </a:fld>
             <a:endParaRPr lang="pt-BR"/>
           </a:p>
@@ -909,7 +1436,7 @@
           <a:p>
             <a:fld id="{FBE464A9-5F3D-4594-9014-F468C1154056}" type="datetimeFigureOut">
               <a:rPr lang="pt-BR" smtClean="0"/>
-              <a:t>16/04/2024</a:t>
+              <a:t>17/04/2024</a:t>
             </a:fld>
             <a:endParaRPr lang="pt-BR"/>
           </a:p>
@@ -1184,7 +1711,7 @@
           <a:p>
             <a:fld id="{FBE464A9-5F3D-4594-9014-F468C1154056}" type="datetimeFigureOut">
               <a:rPr lang="pt-BR" smtClean="0"/>
-              <a:t>16/04/2024</a:t>
+              <a:t>17/04/2024</a:t>
             </a:fld>
             <a:endParaRPr lang="pt-BR"/>
           </a:p>
@@ -1449,7 +1976,7 @@
           <a:p>
             <a:fld id="{FBE464A9-5F3D-4594-9014-F468C1154056}" type="datetimeFigureOut">
               <a:rPr lang="pt-BR" smtClean="0"/>
-              <a:t>16/04/2024</a:t>
+              <a:t>17/04/2024</a:t>
             </a:fld>
             <a:endParaRPr lang="pt-BR"/>
           </a:p>
@@ -1861,7 +2388,7 @@
           <a:p>
             <a:fld id="{FBE464A9-5F3D-4594-9014-F468C1154056}" type="datetimeFigureOut">
               <a:rPr lang="pt-BR" smtClean="0"/>
-              <a:t>16/04/2024</a:t>
+              <a:t>17/04/2024</a:t>
             </a:fld>
             <a:endParaRPr lang="pt-BR"/>
           </a:p>
@@ -2002,7 +2529,7 @@
           <a:p>
             <a:fld id="{FBE464A9-5F3D-4594-9014-F468C1154056}" type="datetimeFigureOut">
               <a:rPr lang="pt-BR" smtClean="0"/>
-              <a:t>16/04/2024</a:t>
+              <a:t>17/04/2024</a:t>
             </a:fld>
             <a:endParaRPr lang="pt-BR"/>
           </a:p>
@@ -2115,7 +2642,7 @@
           <a:p>
             <a:fld id="{FBE464A9-5F3D-4594-9014-F468C1154056}" type="datetimeFigureOut">
               <a:rPr lang="pt-BR" smtClean="0"/>
-              <a:t>16/04/2024</a:t>
+              <a:t>17/04/2024</a:t>
             </a:fld>
             <a:endParaRPr lang="pt-BR"/>
           </a:p>
@@ -2426,7 +2953,7 @@
           <a:p>
             <a:fld id="{FBE464A9-5F3D-4594-9014-F468C1154056}" type="datetimeFigureOut">
               <a:rPr lang="pt-BR" smtClean="0"/>
-              <a:t>16/04/2024</a:t>
+              <a:t>17/04/2024</a:t>
             </a:fld>
             <a:endParaRPr lang="pt-BR"/>
           </a:p>
@@ -2714,7 +3241,7 @@
           <a:p>
             <a:fld id="{FBE464A9-5F3D-4594-9014-F468C1154056}" type="datetimeFigureOut">
               <a:rPr lang="pt-BR" smtClean="0"/>
-              <a:t>16/04/2024</a:t>
+              <a:t>17/04/2024</a:t>
             </a:fld>
             <a:endParaRPr lang="pt-BR"/>
           </a:p>
@@ -2955,7 +3482,7 @@
           <a:p>
             <a:fld id="{FBE464A9-5F3D-4594-9014-F468C1154056}" type="datetimeFigureOut">
               <a:rPr lang="pt-BR" smtClean="0"/>
-              <a:t>16/04/2024</a:t>
+              <a:t>17/04/2024</a:t>
             </a:fld>
             <a:endParaRPr lang="pt-BR"/>
           </a:p>
@@ -8195,6 +8722,222 @@
 </p:sld>
 </file>
 
+<file path=ppt/slides/slide48.xml><?xml version="1.0" encoding="utf-8"?>
+<p:sld xmlns:a="http://schemas.openxmlformats.org/drawingml/2006/main" xmlns:r="http://schemas.openxmlformats.org/officeDocument/2006/relationships" xmlns:p="http://schemas.openxmlformats.org/presentationml/2006/main">
+  <p:cSld>
+    <p:spTree>
+      <p:nvGrpSpPr>
+        <p:cNvPr id="1" name=""/>
+        <p:cNvGrpSpPr/>
+        <p:nvPr/>
+      </p:nvGrpSpPr>
+      <p:grpSpPr>
+        <a:xfrm>
+          <a:off x="0" y="0"/>
+          <a:ext cx="0" cy="0"/>
+          <a:chOff x="0" y="0"/>
+          <a:chExt cx="0" cy="0"/>
+        </a:xfrm>
+      </p:grpSpPr>
+      <p:pic>
+        <p:nvPicPr>
+          <p:cNvPr id="2" name="Imagem 1">
+            <a:extLst>
+              <a:ext uri="{FF2B5EF4-FFF2-40B4-BE49-F238E27FC236}">
+                <a16:creationId xmlns:a16="http://schemas.microsoft.com/office/drawing/2014/main" id="{380ADB8D-6AD9-403A-9A24-3BF5EC4432E5}"/>
+              </a:ext>
+            </a:extLst>
+          </p:cNvPr>
+          <p:cNvPicPr>
+            <a:picLocks noChangeAspect="1"/>
+          </p:cNvPicPr>
+          <p:nvPr/>
+        </p:nvPicPr>
+        <p:blipFill>
+          <a:blip r:embed="rId2"/>
+          <a:stretch>
+            <a:fillRect/>
+          </a:stretch>
+        </p:blipFill>
+        <p:spPr>
+          <a:xfrm>
+            <a:off x="3016120" y="2384499"/>
+            <a:ext cx="5428237" cy="2089001"/>
+          </a:xfrm>
+          <a:prstGeom prst="rect">
+            <a:avLst/>
+          </a:prstGeom>
+        </p:spPr>
+      </p:pic>
+      <p:sp>
+        <p:nvSpPr>
+          <p:cNvPr id="3" name="Retângulo 2">
+            <a:extLst>
+              <a:ext uri="{FF2B5EF4-FFF2-40B4-BE49-F238E27FC236}">
+                <a16:creationId xmlns:a16="http://schemas.microsoft.com/office/drawing/2014/main" id="{8D9C3CA7-E589-4EC6-B72A-F10EC08157A1}"/>
+              </a:ext>
+            </a:extLst>
+          </p:cNvPr>
+          <p:cNvSpPr/>
+          <p:nvPr/>
+        </p:nvSpPr>
+        <p:spPr>
+          <a:xfrm>
+            <a:off x="2444120" y="1181566"/>
+            <a:ext cx="5431936" cy="923330"/>
+          </a:xfrm>
+          <a:prstGeom prst="rect">
+            <a:avLst/>
+          </a:prstGeom>
+          <a:noFill/>
+        </p:spPr>
+        <p:txBody>
+          <a:bodyPr wrap="none" lIns="91440" tIns="45720" rIns="91440" bIns="45720">
+            <a:spAutoFit/>
+          </a:bodyPr>
+          <a:lstStyle/>
+          <a:p>
+            <a:pPr algn="ctr"/>
+            <a:r>
+              <a:rPr lang="pt-BR" sz="5400" b="0" cap="none" spc="0" dirty="0">
+                <a:ln w="0"/>
+                <a:solidFill>
+                  <a:schemeClr val="tx1"/>
+                </a:solidFill>
+                <a:effectLst>
+                  <a:outerShdw blurRad="38100" dist="19050" dir="2700000" algn="tl" rotWithShape="0">
+                    <a:schemeClr val="dk1">
+                      <a:alpha val="40000"/>
+                    </a:schemeClr>
+                  </a:outerShdw>
+                </a:effectLst>
+              </a:rPr>
+              <a:t>Modelo conceitual</a:t>
+            </a:r>
+          </a:p>
+        </p:txBody>
+      </p:sp>
+    </p:spTree>
+    <p:extLst>
+      <p:ext uri="{BB962C8B-B14F-4D97-AF65-F5344CB8AC3E}">
+        <p14:creationId xmlns:p14="http://schemas.microsoft.com/office/powerpoint/2010/main" val="3879895119"/>
+      </p:ext>
+    </p:extLst>
+  </p:cSld>
+  <p:clrMapOvr>
+    <a:masterClrMapping/>
+  </p:clrMapOvr>
+</p:sld>
+</file>
+
+<file path=ppt/slides/slide49.xml><?xml version="1.0" encoding="utf-8"?>
+<p:sld xmlns:a="http://schemas.openxmlformats.org/drawingml/2006/main" xmlns:r="http://schemas.openxmlformats.org/officeDocument/2006/relationships" xmlns:p="http://schemas.openxmlformats.org/presentationml/2006/main">
+  <p:cSld>
+    <p:spTree>
+      <p:nvGrpSpPr>
+        <p:cNvPr id="1" name=""/>
+        <p:cNvGrpSpPr/>
+        <p:nvPr/>
+      </p:nvGrpSpPr>
+      <p:grpSpPr>
+        <a:xfrm>
+          <a:off x="0" y="0"/>
+          <a:ext cx="0" cy="0"/>
+          <a:chOff x="0" y="0"/>
+          <a:chExt cx="0" cy="0"/>
+        </a:xfrm>
+      </p:grpSpPr>
+      <p:pic>
+        <p:nvPicPr>
+          <p:cNvPr id="2" name="Imagem 1">
+            <a:extLst>
+              <a:ext uri="{FF2B5EF4-FFF2-40B4-BE49-F238E27FC236}">
+                <a16:creationId xmlns:a16="http://schemas.microsoft.com/office/drawing/2014/main" id="{1DD2A054-F731-47F2-B584-F06918A9D8E1}"/>
+              </a:ext>
+            </a:extLst>
+          </p:cNvPr>
+          <p:cNvPicPr>
+            <a:picLocks noChangeAspect="1"/>
+          </p:cNvPicPr>
+          <p:nvPr/>
+        </p:nvPicPr>
+        <p:blipFill>
+          <a:blip r:embed="rId2"/>
+          <a:stretch>
+            <a:fillRect/>
+          </a:stretch>
+        </p:blipFill>
+        <p:spPr>
+          <a:xfrm>
+            <a:off x="3714750" y="1781175"/>
+            <a:ext cx="4762500" cy="3295650"/>
+          </a:xfrm>
+          <a:prstGeom prst="rect">
+            <a:avLst/>
+          </a:prstGeom>
+        </p:spPr>
+      </p:pic>
+      <p:sp>
+        <p:nvSpPr>
+          <p:cNvPr id="3" name="Retângulo 2">
+            <a:extLst>
+              <a:ext uri="{FF2B5EF4-FFF2-40B4-BE49-F238E27FC236}">
+                <a16:creationId xmlns:a16="http://schemas.microsoft.com/office/drawing/2014/main" id="{50CA1217-F9A4-4676-B244-18449EB5CD87}"/>
+              </a:ext>
+            </a:extLst>
+          </p:cNvPr>
+          <p:cNvSpPr/>
+          <p:nvPr/>
+        </p:nvSpPr>
+        <p:spPr>
+          <a:xfrm>
+            <a:off x="3714750" y="857845"/>
+            <a:ext cx="4192815" cy="923330"/>
+          </a:xfrm>
+          <a:prstGeom prst="rect">
+            <a:avLst/>
+          </a:prstGeom>
+          <a:noFill/>
+        </p:spPr>
+        <p:txBody>
+          <a:bodyPr wrap="none" lIns="91440" tIns="45720" rIns="91440" bIns="45720">
+            <a:spAutoFit/>
+          </a:bodyPr>
+          <a:lstStyle/>
+          <a:p>
+            <a:pPr algn="ctr"/>
+            <a:r>
+              <a:rPr lang="pt-BR" sz="5400" b="0" cap="none" spc="0" dirty="0">
+                <a:ln w="0"/>
+                <a:solidFill>
+                  <a:schemeClr val="tx1"/>
+                </a:solidFill>
+                <a:effectLst>
+                  <a:outerShdw blurRad="38100" dist="19050" dir="2700000" algn="tl" rotWithShape="0">
+                    <a:schemeClr val="dk1">
+                      <a:alpha val="40000"/>
+                    </a:schemeClr>
+                  </a:outerShdw>
+                </a:effectLst>
+              </a:rPr>
+              <a:t>Modelo lógico</a:t>
+            </a:r>
+          </a:p>
+        </p:txBody>
+      </p:sp>
+    </p:spTree>
+    <p:extLst>
+      <p:ext uri="{BB962C8B-B14F-4D97-AF65-F5344CB8AC3E}">
+        <p14:creationId xmlns:p14="http://schemas.microsoft.com/office/powerpoint/2010/main" val="272248403"/>
+      </p:ext>
+    </p:extLst>
+  </p:cSld>
+  <p:clrMapOvr>
+    <a:masterClrMapping/>
+  </p:clrMapOvr>
+</p:sld>
+</file>
+
 <file path=ppt/slides/slide5.xml><?xml version="1.0" encoding="utf-8"?>
 <p:sld xmlns:a="http://schemas.openxmlformats.org/drawingml/2006/main" xmlns:r="http://schemas.openxmlformats.org/officeDocument/2006/relationships" xmlns:p="http://schemas.openxmlformats.org/presentationml/2006/main">
   <p:cSld>
@@ -8246,6 +8989,1671 @@
     <p:extLst>
       <p:ext uri="{BB962C8B-B14F-4D97-AF65-F5344CB8AC3E}">
         <p14:creationId xmlns:p14="http://schemas.microsoft.com/office/powerpoint/2010/main" val="2744522066"/>
+      </p:ext>
+    </p:extLst>
+  </p:cSld>
+  <p:clrMapOvr>
+    <a:masterClrMapping/>
+  </p:clrMapOvr>
+</p:sld>
+</file>
+
+<file path=ppt/slides/slide50.xml><?xml version="1.0" encoding="utf-8"?>
+<p:sld xmlns:a="http://schemas.openxmlformats.org/drawingml/2006/main" xmlns:r="http://schemas.openxmlformats.org/officeDocument/2006/relationships" xmlns:p="http://schemas.openxmlformats.org/presentationml/2006/main">
+  <p:cSld>
+    <p:spTree>
+      <p:nvGrpSpPr>
+        <p:cNvPr id="1" name=""/>
+        <p:cNvGrpSpPr/>
+        <p:nvPr/>
+      </p:nvGrpSpPr>
+      <p:grpSpPr>
+        <a:xfrm>
+          <a:off x="0" y="0"/>
+          <a:ext cx="0" cy="0"/>
+          <a:chOff x="0" y="0"/>
+          <a:chExt cx="0" cy="0"/>
+        </a:xfrm>
+      </p:grpSpPr>
+      <p:pic>
+        <p:nvPicPr>
+          <p:cNvPr id="2" name="Imagem 1">
+            <a:extLst>
+              <a:ext uri="{FF2B5EF4-FFF2-40B4-BE49-F238E27FC236}">
+                <a16:creationId xmlns:a16="http://schemas.microsoft.com/office/drawing/2014/main" id="{3CA3A785-EAF7-4D27-9CE8-1107F4A079A8}"/>
+              </a:ext>
+            </a:extLst>
+          </p:cNvPr>
+          <p:cNvPicPr>
+            <a:picLocks noChangeAspect="1"/>
+          </p:cNvPicPr>
+          <p:nvPr/>
+        </p:nvPicPr>
+        <p:blipFill>
+          <a:blip r:embed="rId2"/>
+          <a:stretch>
+            <a:fillRect/>
+          </a:stretch>
+        </p:blipFill>
+        <p:spPr>
+          <a:xfrm>
+            <a:off x="3991087" y="1650934"/>
+            <a:ext cx="3506993" cy="2890529"/>
+          </a:xfrm>
+          <a:prstGeom prst="rect">
+            <a:avLst/>
+          </a:prstGeom>
+        </p:spPr>
+      </p:pic>
+      <p:sp>
+        <p:nvSpPr>
+          <p:cNvPr id="3" name="Retângulo 2">
+            <a:extLst>
+              <a:ext uri="{FF2B5EF4-FFF2-40B4-BE49-F238E27FC236}">
+                <a16:creationId xmlns:a16="http://schemas.microsoft.com/office/drawing/2014/main" id="{727EE76C-7AB7-40B8-9637-58B1BBB3BE42}"/>
+              </a:ext>
+            </a:extLst>
+          </p:cNvPr>
+          <p:cNvSpPr/>
+          <p:nvPr/>
+        </p:nvSpPr>
+        <p:spPr>
+          <a:xfrm>
+            <a:off x="3714752" y="857845"/>
+            <a:ext cx="4192815" cy="923330"/>
+          </a:xfrm>
+          <a:prstGeom prst="rect">
+            <a:avLst/>
+          </a:prstGeom>
+          <a:noFill/>
+        </p:spPr>
+        <p:txBody>
+          <a:bodyPr wrap="none" lIns="91440" tIns="45720" rIns="91440" bIns="45720">
+            <a:spAutoFit/>
+          </a:bodyPr>
+          <a:lstStyle/>
+          <a:p>
+            <a:pPr algn="ctr"/>
+            <a:r>
+              <a:rPr lang="pt-BR" sz="5400" b="0" cap="none" spc="0" dirty="0">
+                <a:ln w="0"/>
+                <a:solidFill>
+                  <a:schemeClr val="tx1"/>
+                </a:solidFill>
+                <a:effectLst>
+                  <a:outerShdw blurRad="38100" dist="19050" dir="2700000" algn="tl" rotWithShape="0">
+                    <a:schemeClr val="dk1">
+                      <a:alpha val="40000"/>
+                    </a:schemeClr>
+                  </a:outerShdw>
+                </a:effectLst>
+              </a:rPr>
+              <a:t>Modelo lógico</a:t>
+            </a:r>
+          </a:p>
+        </p:txBody>
+      </p:sp>
+    </p:spTree>
+    <p:extLst>
+      <p:ext uri="{BB962C8B-B14F-4D97-AF65-F5344CB8AC3E}">
+        <p14:creationId xmlns:p14="http://schemas.microsoft.com/office/powerpoint/2010/main" val="496609305"/>
+      </p:ext>
+    </p:extLst>
+  </p:cSld>
+  <p:clrMapOvr>
+    <a:masterClrMapping/>
+  </p:clrMapOvr>
+</p:sld>
+</file>
+
+<file path=ppt/slides/slide51.xml><?xml version="1.0" encoding="utf-8"?>
+<p:sld xmlns:a="http://schemas.openxmlformats.org/drawingml/2006/main" xmlns:r="http://schemas.openxmlformats.org/officeDocument/2006/relationships" xmlns:p="http://schemas.openxmlformats.org/presentationml/2006/main">
+  <p:cSld>
+    <p:spTree>
+      <p:nvGrpSpPr>
+        <p:cNvPr id="1" name=""/>
+        <p:cNvGrpSpPr/>
+        <p:nvPr/>
+      </p:nvGrpSpPr>
+      <p:grpSpPr>
+        <a:xfrm>
+          <a:off x="0" y="0"/>
+          <a:ext cx="0" cy="0"/>
+          <a:chOff x="0" y="0"/>
+          <a:chExt cx="0" cy="0"/>
+        </a:xfrm>
+      </p:grpSpPr>
+      <p:pic>
+        <p:nvPicPr>
+          <p:cNvPr id="2" name="Imagem 1">
+            <a:extLst>
+              <a:ext uri="{FF2B5EF4-FFF2-40B4-BE49-F238E27FC236}">
+                <a16:creationId xmlns:a16="http://schemas.microsoft.com/office/drawing/2014/main" id="{BF4A9915-CF6A-463C-B208-C83E7507AB65}"/>
+              </a:ext>
+            </a:extLst>
+          </p:cNvPr>
+          <p:cNvPicPr>
+            <a:picLocks noChangeAspect="1"/>
+          </p:cNvPicPr>
+          <p:nvPr/>
+        </p:nvPicPr>
+        <p:blipFill>
+          <a:blip r:embed="rId2"/>
+          <a:stretch>
+            <a:fillRect/>
+          </a:stretch>
+        </p:blipFill>
+        <p:spPr>
+          <a:xfrm>
+            <a:off x="823239" y="1351093"/>
+            <a:ext cx="10201275" cy="4629150"/>
+          </a:xfrm>
+          <a:prstGeom prst="rect">
+            <a:avLst/>
+          </a:prstGeom>
+        </p:spPr>
+      </p:pic>
+      <p:sp>
+        <p:nvSpPr>
+          <p:cNvPr id="4" name="Retângulo 3">
+            <a:extLst>
+              <a:ext uri="{FF2B5EF4-FFF2-40B4-BE49-F238E27FC236}">
+                <a16:creationId xmlns:a16="http://schemas.microsoft.com/office/drawing/2014/main" id="{EE82977C-9580-4429-B1A2-1993BEC0011D}"/>
+              </a:ext>
+            </a:extLst>
+          </p:cNvPr>
+          <p:cNvSpPr/>
+          <p:nvPr/>
+        </p:nvSpPr>
+        <p:spPr>
+          <a:xfrm>
+            <a:off x="3399400" y="330031"/>
+            <a:ext cx="3984424" cy="923330"/>
+          </a:xfrm>
+          <a:prstGeom prst="rect">
+            <a:avLst/>
+          </a:prstGeom>
+          <a:noFill/>
+        </p:spPr>
+        <p:txBody>
+          <a:bodyPr wrap="none" lIns="91440" tIns="45720" rIns="91440" bIns="45720">
+            <a:spAutoFit/>
+          </a:bodyPr>
+          <a:lstStyle/>
+          <a:p>
+            <a:pPr algn="ctr"/>
+            <a:r>
+              <a:rPr lang="pt-BR" sz="5400" b="0" cap="none" spc="0" dirty="0">
+                <a:ln w="0"/>
+                <a:solidFill>
+                  <a:schemeClr val="tx1"/>
+                </a:solidFill>
+                <a:effectLst>
+                  <a:outerShdw blurRad="38100" dist="19050" dir="2700000" algn="tl" rotWithShape="0">
+                    <a:schemeClr val="dk1">
+                      <a:alpha val="40000"/>
+                    </a:schemeClr>
+                  </a:outerShdw>
+                </a:effectLst>
+              </a:rPr>
+              <a:t>Modelo </a:t>
+            </a:r>
+            <a:r>
+              <a:rPr lang="pt-BR" sz="5400" b="0" cap="none" spc="0" dirty="0" err="1">
+                <a:ln w="0"/>
+                <a:solidFill>
+                  <a:schemeClr val="tx1"/>
+                </a:solidFill>
+                <a:effectLst>
+                  <a:outerShdw blurRad="38100" dist="19050" dir="2700000" algn="tl" rotWithShape="0">
+                    <a:schemeClr val="dk1">
+                      <a:alpha val="40000"/>
+                    </a:schemeClr>
+                  </a:outerShdw>
+                </a:effectLst>
+              </a:rPr>
+              <a:t>fisíco</a:t>
+            </a:r>
+            <a:endParaRPr lang="pt-BR" sz="5400" b="0" cap="none" spc="0" dirty="0">
+              <a:ln w="0"/>
+              <a:solidFill>
+                <a:schemeClr val="tx1"/>
+              </a:solidFill>
+              <a:effectLst>
+                <a:outerShdw blurRad="38100" dist="19050" dir="2700000" algn="tl" rotWithShape="0">
+                  <a:schemeClr val="dk1">
+                    <a:alpha val="40000"/>
+                  </a:schemeClr>
+                </a:outerShdw>
+              </a:effectLst>
+            </a:endParaRPr>
+          </a:p>
+        </p:txBody>
+      </p:sp>
+    </p:spTree>
+    <p:extLst>
+      <p:ext uri="{BB962C8B-B14F-4D97-AF65-F5344CB8AC3E}">
+        <p14:creationId xmlns:p14="http://schemas.microsoft.com/office/powerpoint/2010/main" val="1935787580"/>
+      </p:ext>
+    </p:extLst>
+  </p:cSld>
+  <p:clrMapOvr>
+    <a:masterClrMapping/>
+  </p:clrMapOvr>
+</p:sld>
+</file>
+
+<file path=ppt/slides/slide52.xml><?xml version="1.0" encoding="utf-8"?>
+<p:sld xmlns:a="http://schemas.openxmlformats.org/drawingml/2006/main" xmlns:r="http://schemas.openxmlformats.org/officeDocument/2006/relationships" xmlns:p="http://schemas.openxmlformats.org/presentationml/2006/main">
+  <p:cSld>
+    <p:spTree>
+      <p:nvGrpSpPr>
+        <p:cNvPr id="1" name=""/>
+        <p:cNvGrpSpPr/>
+        <p:nvPr/>
+      </p:nvGrpSpPr>
+      <p:grpSpPr>
+        <a:xfrm>
+          <a:off x="0" y="0"/>
+          <a:ext cx="0" cy="0"/>
+          <a:chOff x="0" y="0"/>
+          <a:chExt cx="0" cy="0"/>
+        </a:xfrm>
+      </p:grpSpPr>
+      <p:sp>
+        <p:nvSpPr>
+          <p:cNvPr id="3" name="CaixaDeTexto 2">
+            <a:extLst>
+              <a:ext uri="{FF2B5EF4-FFF2-40B4-BE49-F238E27FC236}">
+                <a16:creationId xmlns:a16="http://schemas.microsoft.com/office/drawing/2014/main" id="{96EFF951-7897-46AA-8C58-EFD8C0290B8A}"/>
+              </a:ext>
+            </a:extLst>
+          </p:cNvPr>
+          <p:cNvSpPr txBox="1"/>
+          <p:nvPr/>
+        </p:nvSpPr>
+        <p:spPr>
+          <a:xfrm>
+            <a:off x="267260" y="441064"/>
+            <a:ext cx="2571601" cy="369332"/>
+          </a:xfrm>
+          <a:prstGeom prst="rect">
+            <a:avLst/>
+          </a:prstGeom>
+          <a:noFill/>
+        </p:spPr>
+        <p:txBody>
+          <a:bodyPr wrap="none" rtlCol="0">
+            <a:spAutoFit/>
+          </a:bodyPr>
+          <a:lstStyle/>
+          <a:p>
+            <a:r>
+              <a:rPr lang="pt-BR" dirty="0"/>
+              <a:t>Diagrama de Caso de Uso</a:t>
+            </a:r>
+          </a:p>
+        </p:txBody>
+      </p:sp>
+      <p:pic>
+        <p:nvPicPr>
+          <p:cNvPr id="4" name="Imagem 3">
+            <a:extLst>
+              <a:ext uri="{FF2B5EF4-FFF2-40B4-BE49-F238E27FC236}">
+                <a16:creationId xmlns:a16="http://schemas.microsoft.com/office/drawing/2014/main" id="{D00579F0-8400-4EED-BA5A-59C56E431EAF}"/>
+              </a:ext>
+            </a:extLst>
+          </p:cNvPr>
+          <p:cNvPicPr>
+            <a:picLocks noChangeAspect="1"/>
+          </p:cNvPicPr>
+          <p:nvPr/>
+        </p:nvPicPr>
+        <p:blipFill>
+          <a:blip r:embed="rId2"/>
+          <a:stretch>
+            <a:fillRect/>
+          </a:stretch>
+        </p:blipFill>
+        <p:spPr>
+          <a:xfrm>
+            <a:off x="1553060" y="923869"/>
+            <a:ext cx="9582150" cy="5591175"/>
+          </a:xfrm>
+          <a:prstGeom prst="rect">
+            <a:avLst/>
+          </a:prstGeom>
+        </p:spPr>
+      </p:pic>
+    </p:spTree>
+    <p:extLst>
+      <p:ext uri="{BB962C8B-B14F-4D97-AF65-F5344CB8AC3E}">
+        <p14:creationId xmlns:p14="http://schemas.microsoft.com/office/powerpoint/2010/main" val="4242799981"/>
+      </p:ext>
+    </p:extLst>
+  </p:cSld>
+  <p:clrMapOvr>
+    <a:masterClrMapping/>
+  </p:clrMapOvr>
+</p:sld>
+</file>
+
+<file path=ppt/slides/slide53.xml><?xml version="1.0" encoding="utf-8"?>
+<p:sld xmlns:a="http://schemas.openxmlformats.org/drawingml/2006/main" xmlns:r="http://schemas.openxmlformats.org/officeDocument/2006/relationships" xmlns:p="http://schemas.openxmlformats.org/presentationml/2006/main">
+  <p:cSld>
+    <p:spTree>
+      <p:nvGrpSpPr>
+        <p:cNvPr id="1" name=""/>
+        <p:cNvGrpSpPr/>
+        <p:nvPr/>
+      </p:nvGrpSpPr>
+      <p:grpSpPr>
+        <a:xfrm>
+          <a:off x="0" y="0"/>
+          <a:ext cx="0" cy="0"/>
+          <a:chOff x="0" y="0"/>
+          <a:chExt cx="0" cy="0"/>
+        </a:xfrm>
+      </p:grpSpPr>
+      <p:pic>
+        <p:nvPicPr>
+          <p:cNvPr id="2" name="Imagem 1">
+            <a:extLst>
+              <a:ext uri="{FF2B5EF4-FFF2-40B4-BE49-F238E27FC236}">
+                <a16:creationId xmlns:a16="http://schemas.microsoft.com/office/drawing/2014/main" id="{20528760-1945-4352-878C-62B53E0D3CB0}"/>
+              </a:ext>
+            </a:extLst>
+          </p:cNvPr>
+          <p:cNvPicPr>
+            <a:picLocks noChangeAspect="1"/>
+          </p:cNvPicPr>
+          <p:nvPr/>
+        </p:nvPicPr>
+        <p:blipFill>
+          <a:blip r:embed="rId2"/>
+          <a:stretch>
+            <a:fillRect/>
+          </a:stretch>
+        </p:blipFill>
+        <p:spPr>
+          <a:xfrm>
+            <a:off x="646277" y="774550"/>
+            <a:ext cx="10899445" cy="5131398"/>
+          </a:xfrm>
+          <a:prstGeom prst="rect">
+            <a:avLst/>
+          </a:prstGeom>
+        </p:spPr>
+      </p:pic>
+    </p:spTree>
+    <p:extLst>
+      <p:ext uri="{BB962C8B-B14F-4D97-AF65-F5344CB8AC3E}">
+        <p14:creationId xmlns:p14="http://schemas.microsoft.com/office/powerpoint/2010/main" val="1968774966"/>
+      </p:ext>
+    </p:extLst>
+  </p:cSld>
+  <p:clrMapOvr>
+    <a:masterClrMapping/>
+  </p:clrMapOvr>
+</p:sld>
+</file>
+
+<file path=ppt/slides/slide54.xml><?xml version="1.0" encoding="utf-8"?>
+<p:sld xmlns:a="http://schemas.openxmlformats.org/drawingml/2006/main" xmlns:r="http://schemas.openxmlformats.org/officeDocument/2006/relationships" xmlns:p="http://schemas.openxmlformats.org/presentationml/2006/main">
+  <p:cSld>
+    <p:spTree>
+      <p:nvGrpSpPr>
+        <p:cNvPr id="1" name=""/>
+        <p:cNvGrpSpPr/>
+        <p:nvPr/>
+      </p:nvGrpSpPr>
+      <p:grpSpPr>
+        <a:xfrm>
+          <a:off x="0" y="0"/>
+          <a:ext cx="0" cy="0"/>
+          <a:chOff x="0" y="0"/>
+          <a:chExt cx="0" cy="0"/>
+        </a:xfrm>
+      </p:grpSpPr>
+      <p:sp>
+        <p:nvSpPr>
+          <p:cNvPr id="2" name="Título 1">
+            <a:extLst>
+              <a:ext uri="{FF2B5EF4-FFF2-40B4-BE49-F238E27FC236}">
+                <a16:creationId xmlns:a16="http://schemas.microsoft.com/office/drawing/2014/main" id="{3A757F7B-D2FC-4DEB-9BA2-9143D8C5341A}"/>
+              </a:ext>
+            </a:extLst>
+          </p:cNvPr>
+          <p:cNvSpPr>
+            <a:spLocks noGrp="1"/>
+          </p:cNvSpPr>
+          <p:nvPr>
+            <p:ph type="ctrTitle"/>
+          </p:nvPr>
+        </p:nvSpPr>
+        <p:spPr/>
+        <p:txBody>
+          <a:bodyPr/>
+          <a:lstStyle/>
+          <a:p>
+            <a:r>
+              <a:rPr lang="pt-BR" dirty="0"/>
+              <a:t>Classe</a:t>
+            </a:r>
+          </a:p>
+        </p:txBody>
+      </p:sp>
+      <p:sp>
+        <p:nvSpPr>
+          <p:cNvPr id="3" name="Subtítulo 2">
+            <a:extLst>
+              <a:ext uri="{FF2B5EF4-FFF2-40B4-BE49-F238E27FC236}">
+                <a16:creationId xmlns:a16="http://schemas.microsoft.com/office/drawing/2014/main" id="{E1B10D07-BED6-4195-94C1-FF2ED2AB97C7}"/>
+              </a:ext>
+            </a:extLst>
+          </p:cNvPr>
+          <p:cNvSpPr>
+            <a:spLocks noGrp="1"/>
+          </p:cNvSpPr>
+          <p:nvPr>
+            <p:ph type="subTitle" idx="1"/>
+          </p:nvPr>
+        </p:nvSpPr>
+        <p:spPr/>
+        <p:txBody>
+          <a:bodyPr/>
+          <a:lstStyle/>
+          <a:p>
+            <a:endParaRPr lang="pt-BR"/>
+          </a:p>
+        </p:txBody>
+      </p:sp>
+    </p:spTree>
+    <p:extLst>
+      <p:ext uri="{BB962C8B-B14F-4D97-AF65-F5344CB8AC3E}">
+        <p14:creationId xmlns:p14="http://schemas.microsoft.com/office/powerpoint/2010/main" val="1104340167"/>
+      </p:ext>
+    </p:extLst>
+  </p:cSld>
+  <p:clrMapOvr>
+    <a:masterClrMapping/>
+  </p:clrMapOvr>
+</p:sld>
+</file>
+
+<file path=ppt/slides/slide55.xml><?xml version="1.0" encoding="utf-8"?>
+<p:sld xmlns:a="http://schemas.openxmlformats.org/drawingml/2006/main" xmlns:r="http://schemas.openxmlformats.org/officeDocument/2006/relationships" xmlns:p="http://schemas.openxmlformats.org/presentationml/2006/main">
+  <p:cSld>
+    <p:spTree>
+      <p:nvGrpSpPr>
+        <p:cNvPr id="1" name=""/>
+        <p:cNvGrpSpPr/>
+        <p:nvPr/>
+      </p:nvGrpSpPr>
+      <p:grpSpPr>
+        <a:xfrm>
+          <a:off x="0" y="0"/>
+          <a:ext cx="0" cy="0"/>
+          <a:chOff x="0" y="0"/>
+          <a:chExt cx="0" cy="0"/>
+        </a:xfrm>
+      </p:grpSpPr>
+      <p:pic>
+        <p:nvPicPr>
+          <p:cNvPr id="2" name="Imagem 1">
+            <a:extLst>
+              <a:ext uri="{FF2B5EF4-FFF2-40B4-BE49-F238E27FC236}">
+                <a16:creationId xmlns:a16="http://schemas.microsoft.com/office/drawing/2014/main" id="{2AD36092-FA09-42D8-B25C-43CD95B9BA4F}"/>
+              </a:ext>
+            </a:extLst>
+          </p:cNvPr>
+          <p:cNvPicPr>
+            <a:picLocks noChangeAspect="1"/>
+          </p:cNvPicPr>
+          <p:nvPr/>
+        </p:nvPicPr>
+        <p:blipFill>
+          <a:blip r:embed="rId2"/>
+          <a:stretch>
+            <a:fillRect/>
+          </a:stretch>
+        </p:blipFill>
+        <p:spPr>
+          <a:xfrm>
+            <a:off x="3387240" y="1968649"/>
+            <a:ext cx="5208456" cy="2495214"/>
+          </a:xfrm>
+          <a:prstGeom prst="rect">
+            <a:avLst/>
+          </a:prstGeom>
+        </p:spPr>
+      </p:pic>
+    </p:spTree>
+    <p:extLst>
+      <p:ext uri="{BB962C8B-B14F-4D97-AF65-F5344CB8AC3E}">
+        <p14:creationId xmlns:p14="http://schemas.microsoft.com/office/powerpoint/2010/main" val="1737423973"/>
+      </p:ext>
+    </p:extLst>
+  </p:cSld>
+  <p:clrMapOvr>
+    <a:masterClrMapping/>
+  </p:clrMapOvr>
+</p:sld>
+</file>
+
+<file path=ppt/slides/slide56.xml><?xml version="1.0" encoding="utf-8"?>
+<p:sld xmlns:a="http://schemas.openxmlformats.org/drawingml/2006/main" xmlns:r="http://schemas.openxmlformats.org/officeDocument/2006/relationships" xmlns:p="http://schemas.openxmlformats.org/presentationml/2006/main">
+  <p:cSld>
+    <p:spTree>
+      <p:nvGrpSpPr>
+        <p:cNvPr id="1" name=""/>
+        <p:cNvGrpSpPr/>
+        <p:nvPr/>
+      </p:nvGrpSpPr>
+      <p:grpSpPr>
+        <a:xfrm>
+          <a:off x="0" y="0"/>
+          <a:ext cx="0" cy="0"/>
+          <a:chOff x="0" y="0"/>
+          <a:chExt cx="0" cy="0"/>
+        </a:xfrm>
+      </p:grpSpPr>
+      <p:pic>
+        <p:nvPicPr>
+          <p:cNvPr id="2" name="Imagem 1">
+            <a:extLst>
+              <a:ext uri="{FF2B5EF4-FFF2-40B4-BE49-F238E27FC236}">
+                <a16:creationId xmlns:a16="http://schemas.microsoft.com/office/drawing/2014/main" id="{D9F88480-649D-4904-8155-3F21A1AE472A}"/>
+              </a:ext>
+            </a:extLst>
+          </p:cNvPr>
+          <p:cNvPicPr>
+            <a:picLocks noChangeAspect="1"/>
+          </p:cNvPicPr>
+          <p:nvPr/>
+        </p:nvPicPr>
+        <p:blipFill>
+          <a:blip r:embed="rId2"/>
+          <a:stretch>
+            <a:fillRect/>
+          </a:stretch>
+        </p:blipFill>
+        <p:spPr>
+          <a:xfrm>
+            <a:off x="2615369" y="1194333"/>
+            <a:ext cx="6961262" cy="3931966"/>
+          </a:xfrm>
+          <a:prstGeom prst="rect">
+            <a:avLst/>
+          </a:prstGeom>
+        </p:spPr>
+      </p:pic>
+    </p:spTree>
+    <p:extLst>
+      <p:ext uri="{BB962C8B-B14F-4D97-AF65-F5344CB8AC3E}">
+        <p14:creationId xmlns:p14="http://schemas.microsoft.com/office/powerpoint/2010/main" val="1004439504"/>
+      </p:ext>
+    </p:extLst>
+  </p:cSld>
+  <p:clrMapOvr>
+    <a:masterClrMapping/>
+  </p:clrMapOvr>
+</p:sld>
+</file>
+
+<file path=ppt/slides/slide57.xml><?xml version="1.0" encoding="utf-8"?>
+<p:sld xmlns:a="http://schemas.openxmlformats.org/drawingml/2006/main" xmlns:r="http://schemas.openxmlformats.org/officeDocument/2006/relationships" xmlns:p="http://schemas.openxmlformats.org/presentationml/2006/main">
+  <p:cSld>
+    <p:spTree>
+      <p:nvGrpSpPr>
+        <p:cNvPr id="1" name=""/>
+        <p:cNvGrpSpPr/>
+        <p:nvPr/>
+      </p:nvGrpSpPr>
+      <p:grpSpPr>
+        <a:xfrm>
+          <a:off x="0" y="0"/>
+          <a:ext cx="0" cy="0"/>
+          <a:chOff x="0" y="0"/>
+          <a:chExt cx="0" cy="0"/>
+        </a:xfrm>
+      </p:grpSpPr>
+      <p:sp>
+        <p:nvSpPr>
+          <p:cNvPr id="2" name="Título 1">
+            <a:extLst>
+              <a:ext uri="{FF2B5EF4-FFF2-40B4-BE49-F238E27FC236}">
+                <a16:creationId xmlns:a16="http://schemas.microsoft.com/office/drawing/2014/main" id="{4AE9AB3F-D73C-41A6-A36D-8656B266A2C7}"/>
+              </a:ext>
+            </a:extLst>
+          </p:cNvPr>
+          <p:cNvSpPr>
+            <a:spLocks noGrp="1"/>
+          </p:cNvSpPr>
+          <p:nvPr>
+            <p:ph type="title"/>
+          </p:nvPr>
+        </p:nvSpPr>
+        <p:spPr/>
+        <p:txBody>
+          <a:bodyPr/>
+          <a:lstStyle/>
+          <a:p>
+            <a:r>
+              <a:rPr lang="pt-BR" dirty="0"/>
+              <a:t>Outros</a:t>
+            </a:r>
+          </a:p>
+        </p:txBody>
+      </p:sp>
+      <p:sp>
+        <p:nvSpPr>
+          <p:cNvPr id="3" name="Espaço Reservado para Conteúdo 2">
+            <a:extLst>
+              <a:ext uri="{FF2B5EF4-FFF2-40B4-BE49-F238E27FC236}">
+                <a16:creationId xmlns:a16="http://schemas.microsoft.com/office/drawing/2014/main" id="{C63ED6C3-26C8-4EAC-81DA-1F83DCB63235}"/>
+              </a:ext>
+            </a:extLst>
+          </p:cNvPr>
+          <p:cNvSpPr>
+            <a:spLocks noGrp="1"/>
+          </p:cNvSpPr>
+          <p:nvPr>
+            <p:ph idx="1"/>
+          </p:nvPr>
+        </p:nvSpPr>
+        <p:spPr/>
+        <p:txBody>
+          <a:bodyPr/>
+          <a:lstStyle/>
+          <a:p>
+            <a:r>
+              <a:rPr lang="pt-BR" dirty="0"/>
+              <a:t>Sequência</a:t>
+            </a:r>
+          </a:p>
+          <a:p>
+            <a:r>
+              <a:rPr lang="pt-BR" dirty="0"/>
+              <a:t>Atividade</a:t>
+            </a:r>
+          </a:p>
+          <a:p>
+            <a:r>
+              <a:rPr lang="pt-BR" dirty="0"/>
+              <a:t>Objetos</a:t>
+            </a:r>
+          </a:p>
+        </p:txBody>
+      </p:sp>
+    </p:spTree>
+    <p:extLst>
+      <p:ext uri="{BB962C8B-B14F-4D97-AF65-F5344CB8AC3E}">
+        <p14:creationId xmlns:p14="http://schemas.microsoft.com/office/powerpoint/2010/main" val="1369460160"/>
+      </p:ext>
+    </p:extLst>
+  </p:cSld>
+  <p:clrMapOvr>
+    <a:masterClrMapping/>
+  </p:clrMapOvr>
+</p:sld>
+</file>
+
+<file path=ppt/slides/slide58.xml><?xml version="1.0" encoding="utf-8"?>
+<p:sld xmlns:a="http://schemas.openxmlformats.org/drawingml/2006/main" xmlns:r="http://schemas.openxmlformats.org/officeDocument/2006/relationships" xmlns:p="http://schemas.openxmlformats.org/presentationml/2006/main">
+  <p:cSld>
+    <p:spTree>
+      <p:nvGrpSpPr>
+        <p:cNvPr id="1" name=""/>
+        <p:cNvGrpSpPr/>
+        <p:nvPr/>
+      </p:nvGrpSpPr>
+      <p:grpSpPr>
+        <a:xfrm>
+          <a:off x="0" y="0"/>
+          <a:ext cx="0" cy="0"/>
+          <a:chOff x="0" y="0"/>
+          <a:chExt cx="0" cy="0"/>
+        </a:xfrm>
+      </p:grpSpPr>
+      <p:sp>
+        <p:nvSpPr>
+          <p:cNvPr id="2" name="Título 1">
+            <a:extLst>
+              <a:ext uri="{FF2B5EF4-FFF2-40B4-BE49-F238E27FC236}">
+                <a16:creationId xmlns:a16="http://schemas.microsoft.com/office/drawing/2014/main" id="{669EDBF4-7525-42D8-A2D3-6A9B2123094C}"/>
+              </a:ext>
+            </a:extLst>
+          </p:cNvPr>
+          <p:cNvSpPr>
+            <a:spLocks noGrp="1"/>
+          </p:cNvSpPr>
+          <p:nvPr>
+            <p:ph type="title"/>
+          </p:nvPr>
+        </p:nvSpPr>
+        <p:spPr/>
+        <p:txBody>
+          <a:bodyPr/>
+          <a:lstStyle/>
+          <a:p>
+            <a:r>
+              <a:rPr lang="pt-BR" dirty="0"/>
+              <a:t>API Web e Banco de Dados</a:t>
+            </a:r>
+          </a:p>
+        </p:txBody>
+      </p:sp>
+      <mc:AlternateContent xmlns:mc="http://schemas.openxmlformats.org/markup-compatibility/2006">
+        <mc:Choice xmlns:p14="http://schemas.microsoft.com/office/powerpoint/2010/main" Requires="p14">
+          <p:contentPart p14:bwMode="auto" r:id="rId2">
+            <p14:nvContentPartPr>
+              <p14:cNvPr id="9" name="Tinta 8">
+                <a:extLst>
+                  <a:ext uri="{FF2B5EF4-FFF2-40B4-BE49-F238E27FC236}">
+                    <a16:creationId xmlns:a16="http://schemas.microsoft.com/office/drawing/2014/main" id="{253AC23F-F611-4860-BCE7-9F54262B0C37}"/>
+                  </a:ext>
+                </a:extLst>
+              </p14:cNvPr>
+              <p14:cNvContentPartPr/>
+              <p14:nvPr/>
+            </p14:nvContentPartPr>
+            <p14:xfrm>
+              <a:off x="321162" y="2516675"/>
+              <a:ext cx="1951560" cy="1208160"/>
+            </p14:xfrm>
+          </p:contentPart>
+        </mc:Choice>
+        <mc:Fallback>
+          <p:pic>
+            <p:nvPicPr>
+              <p:cNvPr id="9" name="Tinta 8">
+                <a:extLst>
+                  <a:ext uri="{FF2B5EF4-FFF2-40B4-BE49-F238E27FC236}">
+                    <a16:creationId xmlns:a16="http://schemas.microsoft.com/office/drawing/2014/main" id="{253AC23F-F611-4860-BCE7-9F54262B0C37}"/>
+                  </a:ext>
+                </a:extLst>
+              </p:cNvPr>
+              <p:cNvPicPr/>
+              <p:nvPr/>
+            </p:nvPicPr>
+            <p:blipFill>
+              <a:blip r:embed="rId3"/>
+              <a:stretch>
+                <a:fillRect/>
+              </a:stretch>
+            </p:blipFill>
+            <p:spPr>
+              <a:xfrm>
+                <a:off x="312162" y="2508035"/>
+                <a:ext cx="1969200" cy="1225800"/>
+              </a:xfrm>
+              <a:prstGeom prst="rect">
+                <a:avLst/>
+              </a:prstGeom>
+            </p:spPr>
+          </p:pic>
+        </mc:Fallback>
+      </mc:AlternateContent>
+      <mc:AlternateContent xmlns:mc="http://schemas.openxmlformats.org/markup-compatibility/2006">
+        <mc:Choice xmlns:p14="http://schemas.microsoft.com/office/powerpoint/2010/main" Requires="p14">
+          <p:contentPart p14:bwMode="auto" r:id="rId4">
+            <p14:nvContentPartPr>
+              <p14:cNvPr id="10" name="Tinta 9">
+                <a:extLst>
+                  <a:ext uri="{FF2B5EF4-FFF2-40B4-BE49-F238E27FC236}">
+                    <a16:creationId xmlns:a16="http://schemas.microsoft.com/office/drawing/2014/main" id="{110049A6-2404-4781-AE06-56F7B258F4CA}"/>
+                  </a:ext>
+                </a:extLst>
+              </p14:cNvPr>
+              <p14:cNvContentPartPr/>
+              <p14:nvPr/>
+            </p14:nvContentPartPr>
+            <p14:xfrm>
+              <a:off x="1029282" y="3924275"/>
+              <a:ext cx="111240" cy="76320"/>
+            </p14:xfrm>
+          </p:contentPart>
+        </mc:Choice>
+        <mc:Fallback>
+          <p:pic>
+            <p:nvPicPr>
+              <p:cNvPr id="10" name="Tinta 9">
+                <a:extLst>
+                  <a:ext uri="{FF2B5EF4-FFF2-40B4-BE49-F238E27FC236}">
+                    <a16:creationId xmlns:a16="http://schemas.microsoft.com/office/drawing/2014/main" id="{110049A6-2404-4781-AE06-56F7B258F4CA}"/>
+                  </a:ext>
+                </a:extLst>
+              </p:cNvPr>
+              <p:cNvPicPr/>
+              <p:nvPr/>
+            </p:nvPicPr>
+            <p:blipFill>
+              <a:blip r:embed="rId5"/>
+              <a:stretch>
+                <a:fillRect/>
+              </a:stretch>
+            </p:blipFill>
+            <p:spPr>
+              <a:xfrm>
+                <a:off x="1020642" y="3915275"/>
+                <a:ext cx="128880" cy="93960"/>
+              </a:xfrm>
+              <a:prstGeom prst="rect">
+                <a:avLst/>
+              </a:prstGeom>
+            </p:spPr>
+          </p:pic>
+        </mc:Fallback>
+      </mc:AlternateContent>
+      <mc:AlternateContent xmlns:mc="http://schemas.openxmlformats.org/markup-compatibility/2006">
+        <mc:Choice xmlns:p14="http://schemas.microsoft.com/office/powerpoint/2010/main" Requires="p14">
+          <p:contentPart p14:bwMode="auto" r:id="rId6">
+            <p14:nvContentPartPr>
+              <p14:cNvPr id="18" name="Tinta 17">
+                <a:extLst>
+                  <a:ext uri="{FF2B5EF4-FFF2-40B4-BE49-F238E27FC236}">
+                    <a16:creationId xmlns:a16="http://schemas.microsoft.com/office/drawing/2014/main" id="{7E8DF435-B733-4294-93AD-CA5CF577C4A7}"/>
+                  </a:ext>
+                </a:extLst>
+              </p14:cNvPr>
+              <p14:cNvContentPartPr/>
+              <p14:nvPr/>
+            </p14:nvContentPartPr>
+            <p14:xfrm>
+              <a:off x="1098042" y="4312355"/>
+              <a:ext cx="109440" cy="91440"/>
+            </p14:xfrm>
+          </p:contentPart>
+        </mc:Choice>
+        <mc:Fallback>
+          <p:pic>
+            <p:nvPicPr>
+              <p:cNvPr id="18" name="Tinta 17">
+                <a:extLst>
+                  <a:ext uri="{FF2B5EF4-FFF2-40B4-BE49-F238E27FC236}">
+                    <a16:creationId xmlns:a16="http://schemas.microsoft.com/office/drawing/2014/main" id="{7E8DF435-B733-4294-93AD-CA5CF577C4A7}"/>
+                  </a:ext>
+                </a:extLst>
+              </p:cNvPr>
+              <p:cNvPicPr/>
+              <p:nvPr/>
+            </p:nvPicPr>
+            <p:blipFill>
+              <a:blip r:embed="rId7"/>
+              <a:stretch>
+                <a:fillRect/>
+              </a:stretch>
+            </p:blipFill>
+            <p:spPr>
+              <a:xfrm>
+                <a:off x="1089402" y="4303355"/>
+                <a:ext cx="127080" cy="109080"/>
+              </a:xfrm>
+              <a:prstGeom prst="rect">
+                <a:avLst/>
+              </a:prstGeom>
+            </p:spPr>
+          </p:pic>
+        </mc:Fallback>
+      </mc:AlternateContent>
+      <mc:AlternateContent xmlns:mc="http://schemas.openxmlformats.org/markup-compatibility/2006">
+        <mc:Choice xmlns:p14="http://schemas.microsoft.com/office/powerpoint/2010/main" Requires="p14">
+          <p:contentPart p14:bwMode="auto" r:id="rId8">
+            <p14:nvContentPartPr>
+              <p14:cNvPr id="19" name="Tinta 18">
+                <a:extLst>
+                  <a:ext uri="{FF2B5EF4-FFF2-40B4-BE49-F238E27FC236}">
+                    <a16:creationId xmlns:a16="http://schemas.microsoft.com/office/drawing/2014/main" id="{B9654294-C7EA-4A07-ADD6-EB9BFCA0F06C}"/>
+                  </a:ext>
+                </a:extLst>
+              </p14:cNvPr>
+              <p14:cNvContentPartPr/>
+              <p14:nvPr/>
+            </p14:nvContentPartPr>
+            <p14:xfrm>
+              <a:off x="1503762" y="4321715"/>
+              <a:ext cx="155520" cy="307440"/>
+            </p14:xfrm>
+          </p:contentPart>
+        </mc:Choice>
+        <mc:Fallback>
+          <p:pic>
+            <p:nvPicPr>
+              <p:cNvPr id="19" name="Tinta 18">
+                <a:extLst>
+                  <a:ext uri="{FF2B5EF4-FFF2-40B4-BE49-F238E27FC236}">
+                    <a16:creationId xmlns:a16="http://schemas.microsoft.com/office/drawing/2014/main" id="{B9654294-C7EA-4A07-ADD6-EB9BFCA0F06C}"/>
+                  </a:ext>
+                </a:extLst>
+              </p:cNvPr>
+              <p:cNvPicPr/>
+              <p:nvPr/>
+            </p:nvPicPr>
+            <p:blipFill>
+              <a:blip r:embed="rId9"/>
+              <a:stretch>
+                <a:fillRect/>
+              </a:stretch>
+            </p:blipFill>
+            <p:spPr>
+              <a:xfrm>
+                <a:off x="1494762" y="4313075"/>
+                <a:ext cx="173160" cy="325080"/>
+              </a:xfrm>
+              <a:prstGeom prst="rect">
+                <a:avLst/>
+              </a:prstGeom>
+            </p:spPr>
+          </p:pic>
+        </mc:Fallback>
+      </mc:AlternateContent>
+      <mc:AlternateContent xmlns:mc="http://schemas.openxmlformats.org/markup-compatibility/2006">
+        <mc:Choice xmlns:p14="http://schemas.microsoft.com/office/powerpoint/2010/main" Requires="p14">
+          <p:contentPart p14:bwMode="auto" r:id="rId10">
+            <p14:nvContentPartPr>
+              <p14:cNvPr id="27" name="Tinta 26">
+                <a:extLst>
+                  <a:ext uri="{FF2B5EF4-FFF2-40B4-BE49-F238E27FC236}">
+                    <a16:creationId xmlns:a16="http://schemas.microsoft.com/office/drawing/2014/main" id="{2F2543BA-1F52-4AB0-A1F1-9D0696E894AA}"/>
+                  </a:ext>
+                </a:extLst>
+              </p14:cNvPr>
+              <p14:cNvContentPartPr/>
+              <p14:nvPr/>
+            </p14:nvContentPartPr>
+            <p14:xfrm>
+              <a:off x="2140602" y="4281395"/>
+              <a:ext cx="967680" cy="343800"/>
+            </p14:xfrm>
+          </p:contentPart>
+        </mc:Choice>
+        <mc:Fallback>
+          <p:pic>
+            <p:nvPicPr>
+              <p:cNvPr id="27" name="Tinta 26">
+                <a:extLst>
+                  <a:ext uri="{FF2B5EF4-FFF2-40B4-BE49-F238E27FC236}">
+                    <a16:creationId xmlns:a16="http://schemas.microsoft.com/office/drawing/2014/main" id="{2F2543BA-1F52-4AB0-A1F1-9D0696E894AA}"/>
+                  </a:ext>
+                </a:extLst>
+              </p:cNvPr>
+              <p:cNvPicPr/>
+              <p:nvPr/>
+            </p:nvPicPr>
+            <p:blipFill>
+              <a:blip r:embed="rId11"/>
+              <a:stretch>
+                <a:fillRect/>
+              </a:stretch>
+            </p:blipFill>
+            <p:spPr>
+              <a:xfrm>
+                <a:off x="2131962" y="4272404"/>
+                <a:ext cx="985320" cy="361422"/>
+              </a:xfrm>
+              <a:prstGeom prst="rect">
+                <a:avLst/>
+              </a:prstGeom>
+            </p:spPr>
+          </p:pic>
+        </mc:Fallback>
+      </mc:AlternateContent>
+      <mc:AlternateContent xmlns:mc="http://schemas.openxmlformats.org/markup-compatibility/2006">
+        <mc:Choice xmlns:p14="http://schemas.microsoft.com/office/powerpoint/2010/main" Requires="p14">
+          <p:contentPart p14:bwMode="auto" r:id="rId12">
+            <p14:nvContentPartPr>
+              <p14:cNvPr id="28" name="Tinta 27">
+                <a:extLst>
+                  <a:ext uri="{FF2B5EF4-FFF2-40B4-BE49-F238E27FC236}">
+                    <a16:creationId xmlns:a16="http://schemas.microsoft.com/office/drawing/2014/main" id="{B6C3EF1B-CA34-46E7-8485-12D19BFCF83A}"/>
+                  </a:ext>
+                </a:extLst>
+              </p14:cNvPr>
+              <p14:cNvContentPartPr/>
+              <p14:nvPr/>
+            </p14:nvContentPartPr>
+            <p14:xfrm>
+              <a:off x="1785282" y="4346195"/>
+              <a:ext cx="226800" cy="333720"/>
+            </p14:xfrm>
+          </p:contentPart>
+        </mc:Choice>
+        <mc:Fallback>
+          <p:pic>
+            <p:nvPicPr>
+              <p:cNvPr id="28" name="Tinta 27">
+                <a:extLst>
+                  <a:ext uri="{FF2B5EF4-FFF2-40B4-BE49-F238E27FC236}">
+                    <a16:creationId xmlns:a16="http://schemas.microsoft.com/office/drawing/2014/main" id="{B6C3EF1B-CA34-46E7-8485-12D19BFCF83A}"/>
+                  </a:ext>
+                </a:extLst>
+              </p:cNvPr>
+              <p:cNvPicPr/>
+              <p:nvPr/>
+            </p:nvPicPr>
+            <p:blipFill>
+              <a:blip r:embed="rId13"/>
+              <a:stretch>
+                <a:fillRect/>
+              </a:stretch>
+            </p:blipFill>
+            <p:spPr>
+              <a:xfrm>
+                <a:off x="1776628" y="4337205"/>
+                <a:ext cx="244468" cy="351341"/>
+              </a:xfrm>
+              <a:prstGeom prst="rect">
+                <a:avLst/>
+              </a:prstGeom>
+            </p:spPr>
+          </p:pic>
+        </mc:Fallback>
+      </mc:AlternateContent>
+      <mc:AlternateContent xmlns:mc="http://schemas.openxmlformats.org/markup-compatibility/2006">
+        <mc:Choice xmlns:p14="http://schemas.microsoft.com/office/powerpoint/2010/main" Requires="p14">
+          <p:contentPart p14:bwMode="auto" r:id="rId14">
+            <p14:nvContentPartPr>
+              <p14:cNvPr id="29" name="Tinta 28">
+                <a:extLst>
+                  <a:ext uri="{FF2B5EF4-FFF2-40B4-BE49-F238E27FC236}">
+                    <a16:creationId xmlns:a16="http://schemas.microsoft.com/office/drawing/2014/main" id="{5F050522-FBCC-46F4-B964-03BB1190011C}"/>
+                  </a:ext>
+                </a:extLst>
+              </p14:cNvPr>
+              <p14:cNvContentPartPr/>
+              <p14:nvPr/>
+            </p14:nvContentPartPr>
+            <p14:xfrm>
+              <a:off x="1722642" y="3861275"/>
+              <a:ext cx="579600" cy="256680"/>
+            </p14:xfrm>
+          </p:contentPart>
+        </mc:Choice>
+        <mc:Fallback>
+          <p:pic>
+            <p:nvPicPr>
+              <p:cNvPr id="29" name="Tinta 28">
+                <a:extLst>
+                  <a:ext uri="{FF2B5EF4-FFF2-40B4-BE49-F238E27FC236}">
+                    <a16:creationId xmlns:a16="http://schemas.microsoft.com/office/drawing/2014/main" id="{5F050522-FBCC-46F4-B964-03BB1190011C}"/>
+                  </a:ext>
+                </a:extLst>
+              </p:cNvPr>
+              <p:cNvPicPr/>
+              <p:nvPr/>
+            </p:nvPicPr>
+            <p:blipFill>
+              <a:blip r:embed="rId15"/>
+              <a:stretch>
+                <a:fillRect/>
+              </a:stretch>
+            </p:blipFill>
+            <p:spPr>
+              <a:xfrm>
+                <a:off x="1713642" y="3852288"/>
+                <a:ext cx="597240" cy="274295"/>
+              </a:xfrm>
+              <a:prstGeom prst="rect">
+                <a:avLst/>
+              </a:prstGeom>
+            </p:spPr>
+          </p:pic>
+        </mc:Fallback>
+      </mc:AlternateContent>
+      <mc:AlternateContent xmlns:mc="http://schemas.openxmlformats.org/markup-compatibility/2006">
+        <mc:Choice xmlns:p14="http://schemas.microsoft.com/office/powerpoint/2010/main" Requires="p14">
+          <p:contentPart p14:bwMode="auto" r:id="rId16">
+            <p14:nvContentPartPr>
+              <p14:cNvPr id="30" name="Tinta 29">
+                <a:extLst>
+                  <a:ext uri="{FF2B5EF4-FFF2-40B4-BE49-F238E27FC236}">
+                    <a16:creationId xmlns:a16="http://schemas.microsoft.com/office/drawing/2014/main" id="{0377A880-173E-47D3-81BB-0C3310CCB992}"/>
+                  </a:ext>
+                </a:extLst>
+              </p14:cNvPr>
+              <p14:cNvContentPartPr/>
+              <p14:nvPr/>
+            </p14:nvContentPartPr>
+            <p14:xfrm>
+              <a:off x="1301442" y="3818795"/>
+              <a:ext cx="284040" cy="305640"/>
+            </p14:xfrm>
+          </p:contentPart>
+        </mc:Choice>
+        <mc:Fallback>
+          <p:pic>
+            <p:nvPicPr>
+              <p:cNvPr id="30" name="Tinta 29">
+                <a:extLst>
+                  <a:ext uri="{FF2B5EF4-FFF2-40B4-BE49-F238E27FC236}">
+                    <a16:creationId xmlns:a16="http://schemas.microsoft.com/office/drawing/2014/main" id="{0377A880-173E-47D3-81BB-0C3310CCB992}"/>
+                  </a:ext>
+                </a:extLst>
+              </p:cNvPr>
+              <p:cNvPicPr/>
+              <p:nvPr/>
+            </p:nvPicPr>
+            <p:blipFill>
+              <a:blip r:embed="rId17"/>
+              <a:stretch>
+                <a:fillRect/>
+              </a:stretch>
+            </p:blipFill>
+            <p:spPr>
+              <a:xfrm>
+                <a:off x="1292813" y="3809795"/>
+                <a:ext cx="301658" cy="323280"/>
+              </a:xfrm>
+              <a:prstGeom prst="rect">
+                <a:avLst/>
+              </a:prstGeom>
+            </p:spPr>
+          </p:pic>
+        </mc:Fallback>
+      </mc:AlternateContent>
+      <mc:AlternateContent xmlns:mc="http://schemas.openxmlformats.org/markup-compatibility/2006">
+        <mc:Choice xmlns:p14="http://schemas.microsoft.com/office/powerpoint/2010/main" Requires="p14">
+          <p:contentPart p14:bwMode="auto" r:id="rId18">
+            <p14:nvContentPartPr>
+              <p14:cNvPr id="31" name="Tinta 30">
+                <a:extLst>
+                  <a:ext uri="{FF2B5EF4-FFF2-40B4-BE49-F238E27FC236}">
+                    <a16:creationId xmlns:a16="http://schemas.microsoft.com/office/drawing/2014/main" id="{F1A2A230-2D86-4023-A9F5-BCD31E06082D}"/>
+                  </a:ext>
+                </a:extLst>
+              </p14:cNvPr>
+              <p14:cNvContentPartPr/>
+              <p14:nvPr/>
+            </p14:nvContentPartPr>
+            <p14:xfrm>
+              <a:off x="1034682" y="4845155"/>
+              <a:ext cx="160200" cy="171000"/>
+            </p14:xfrm>
+          </p:contentPart>
+        </mc:Choice>
+        <mc:Fallback>
+          <p:pic>
+            <p:nvPicPr>
+              <p:cNvPr id="31" name="Tinta 30">
+                <a:extLst>
+                  <a:ext uri="{FF2B5EF4-FFF2-40B4-BE49-F238E27FC236}">
+                    <a16:creationId xmlns:a16="http://schemas.microsoft.com/office/drawing/2014/main" id="{F1A2A230-2D86-4023-A9F5-BCD31E06082D}"/>
+                  </a:ext>
+                </a:extLst>
+              </p:cNvPr>
+              <p:cNvPicPr/>
+              <p:nvPr/>
+            </p:nvPicPr>
+            <p:blipFill>
+              <a:blip r:embed="rId19"/>
+              <a:stretch>
+                <a:fillRect/>
+              </a:stretch>
+            </p:blipFill>
+            <p:spPr>
+              <a:xfrm>
+                <a:off x="1026042" y="4836155"/>
+                <a:ext cx="177840" cy="188640"/>
+              </a:xfrm>
+              <a:prstGeom prst="rect">
+                <a:avLst/>
+              </a:prstGeom>
+            </p:spPr>
+          </p:pic>
+        </mc:Fallback>
+      </mc:AlternateContent>
+      <mc:AlternateContent xmlns:mc="http://schemas.openxmlformats.org/markup-compatibility/2006">
+        <mc:Choice xmlns:p14="http://schemas.microsoft.com/office/powerpoint/2010/main" Requires="p14">
+          <p:contentPart p14:bwMode="auto" r:id="rId20">
+            <p14:nvContentPartPr>
+              <p14:cNvPr id="41" name="Tinta 40">
+                <a:extLst>
+                  <a:ext uri="{FF2B5EF4-FFF2-40B4-BE49-F238E27FC236}">
+                    <a16:creationId xmlns:a16="http://schemas.microsoft.com/office/drawing/2014/main" id="{EF99AA95-53A5-4097-8500-2447AEF4E6D0}"/>
+                  </a:ext>
+                </a:extLst>
+              </p14:cNvPr>
+              <p14:cNvContentPartPr/>
+              <p14:nvPr/>
+            </p14:nvContentPartPr>
+            <p14:xfrm>
+              <a:off x="2215842" y="4797635"/>
+              <a:ext cx="360" cy="360"/>
+            </p14:xfrm>
+          </p:contentPart>
+        </mc:Choice>
+        <mc:Fallback>
+          <p:pic>
+            <p:nvPicPr>
+              <p:cNvPr id="41" name="Tinta 40">
+                <a:extLst>
+                  <a:ext uri="{FF2B5EF4-FFF2-40B4-BE49-F238E27FC236}">
+                    <a16:creationId xmlns:a16="http://schemas.microsoft.com/office/drawing/2014/main" id="{EF99AA95-53A5-4097-8500-2447AEF4E6D0}"/>
+                  </a:ext>
+                </a:extLst>
+              </p:cNvPr>
+              <p:cNvPicPr/>
+              <p:nvPr/>
+            </p:nvPicPr>
+            <p:blipFill>
+              <a:blip r:embed="rId21"/>
+              <a:stretch>
+                <a:fillRect/>
+              </a:stretch>
+            </p:blipFill>
+            <p:spPr>
+              <a:xfrm>
+                <a:off x="2207202" y="4788995"/>
+                <a:ext cx="18000" cy="18000"/>
+              </a:xfrm>
+              <a:prstGeom prst="rect">
+                <a:avLst/>
+              </a:prstGeom>
+            </p:spPr>
+          </p:pic>
+        </mc:Fallback>
+      </mc:AlternateContent>
+      <mc:AlternateContent xmlns:mc="http://schemas.openxmlformats.org/markup-compatibility/2006">
+        <mc:Choice xmlns:p14="http://schemas.microsoft.com/office/powerpoint/2010/main" Requires="p14">
+          <p:contentPart p14:bwMode="auto" r:id="rId22">
+            <p14:nvContentPartPr>
+              <p14:cNvPr id="42" name="Tinta 41">
+                <a:extLst>
+                  <a:ext uri="{FF2B5EF4-FFF2-40B4-BE49-F238E27FC236}">
+                    <a16:creationId xmlns:a16="http://schemas.microsoft.com/office/drawing/2014/main" id="{A7B15B68-1AF2-400F-B9F7-67AF2CAFA0DF}"/>
+                  </a:ext>
+                </a:extLst>
+              </p14:cNvPr>
+              <p14:cNvContentPartPr/>
+              <p14:nvPr/>
+            </p14:nvContentPartPr>
+            <p14:xfrm>
+              <a:off x="2280642" y="4894115"/>
+              <a:ext cx="646920" cy="287280"/>
+            </p14:xfrm>
+          </p:contentPart>
+        </mc:Choice>
+        <mc:Fallback>
+          <p:pic>
+            <p:nvPicPr>
+              <p:cNvPr id="42" name="Tinta 41">
+                <a:extLst>
+                  <a:ext uri="{FF2B5EF4-FFF2-40B4-BE49-F238E27FC236}">
+                    <a16:creationId xmlns:a16="http://schemas.microsoft.com/office/drawing/2014/main" id="{A7B15B68-1AF2-400F-B9F7-67AF2CAFA0DF}"/>
+                  </a:ext>
+                </a:extLst>
+              </p:cNvPr>
+              <p:cNvPicPr/>
+              <p:nvPr/>
+            </p:nvPicPr>
+            <p:blipFill>
+              <a:blip r:embed="rId23"/>
+              <a:stretch>
+                <a:fillRect/>
+              </a:stretch>
+            </p:blipFill>
+            <p:spPr>
+              <a:xfrm>
+                <a:off x="2271642" y="4885464"/>
+                <a:ext cx="664560" cy="304942"/>
+              </a:xfrm>
+              <a:prstGeom prst="rect">
+                <a:avLst/>
+              </a:prstGeom>
+            </p:spPr>
+          </p:pic>
+        </mc:Fallback>
+      </mc:AlternateContent>
+      <mc:AlternateContent xmlns:mc="http://schemas.openxmlformats.org/markup-compatibility/2006">
+        <mc:Choice xmlns:p14="http://schemas.microsoft.com/office/powerpoint/2010/main" Requires="p14">
+          <p:contentPart p14:bwMode="auto" r:id="rId24">
+            <p14:nvContentPartPr>
+              <p14:cNvPr id="43" name="Tinta 42">
+                <a:extLst>
+                  <a:ext uri="{FF2B5EF4-FFF2-40B4-BE49-F238E27FC236}">
+                    <a16:creationId xmlns:a16="http://schemas.microsoft.com/office/drawing/2014/main" id="{70BF639A-472E-48DC-BE67-EA894F234CC1}"/>
+                  </a:ext>
+                </a:extLst>
+              </p14:cNvPr>
+              <p14:cNvContentPartPr/>
+              <p14:nvPr/>
+            </p14:nvContentPartPr>
+            <p14:xfrm>
+              <a:off x="1527162" y="4894475"/>
+              <a:ext cx="626760" cy="251640"/>
+            </p14:xfrm>
+          </p:contentPart>
+        </mc:Choice>
+        <mc:Fallback>
+          <p:pic>
+            <p:nvPicPr>
+              <p:cNvPr id="43" name="Tinta 42">
+                <a:extLst>
+                  <a:ext uri="{FF2B5EF4-FFF2-40B4-BE49-F238E27FC236}">
+                    <a16:creationId xmlns:a16="http://schemas.microsoft.com/office/drawing/2014/main" id="{70BF639A-472E-48DC-BE67-EA894F234CC1}"/>
+                  </a:ext>
+                </a:extLst>
+              </p:cNvPr>
+              <p:cNvPicPr/>
+              <p:nvPr/>
+            </p:nvPicPr>
+            <p:blipFill>
+              <a:blip r:embed="rId25"/>
+              <a:stretch>
+                <a:fillRect/>
+              </a:stretch>
+            </p:blipFill>
+            <p:spPr>
+              <a:xfrm>
+                <a:off x="1518522" y="4885835"/>
+                <a:ext cx="644400" cy="269280"/>
+              </a:xfrm>
+              <a:prstGeom prst="rect">
+                <a:avLst/>
+              </a:prstGeom>
+            </p:spPr>
+          </p:pic>
+        </mc:Fallback>
+      </mc:AlternateContent>
+      <mc:AlternateContent xmlns:mc="http://schemas.openxmlformats.org/markup-compatibility/2006">
+        <mc:Choice xmlns:p14="http://schemas.microsoft.com/office/powerpoint/2010/main" xmlns:aink="http://schemas.microsoft.com/office/drawing/2016/ink" Requires="p14 aink">
+          <p:contentPart p14:bwMode="auto" r:id="rId26">
+            <p14:nvContentPartPr>
+              <p14:cNvPr id="46" name="Tinta 45">
+                <a:extLst>
+                  <a:ext uri="{FF2B5EF4-FFF2-40B4-BE49-F238E27FC236}">
+                    <a16:creationId xmlns:a16="http://schemas.microsoft.com/office/drawing/2014/main" id="{8719F7DB-53BE-4CC2-9881-843A20650EB3}"/>
+                  </a:ext>
+                </a:extLst>
+              </p14:cNvPr>
+              <p14:cNvContentPartPr/>
+              <p14:nvPr/>
+            </p14:nvContentPartPr>
+            <p14:xfrm>
+              <a:off x="2387922" y="2850755"/>
+              <a:ext cx="4843800" cy="809280"/>
+            </p14:xfrm>
+          </p:contentPart>
+        </mc:Choice>
+        <mc:Fallback>
+          <p:pic>
+            <p:nvPicPr>
+              <p:cNvPr id="46" name="Tinta 45">
+                <a:extLst>
+                  <a:ext uri="{FF2B5EF4-FFF2-40B4-BE49-F238E27FC236}">
+                    <a16:creationId xmlns:a16="http://schemas.microsoft.com/office/drawing/2014/main" id="{8719F7DB-53BE-4CC2-9881-843A20650EB3}"/>
+                  </a:ext>
+                </a:extLst>
+              </p:cNvPr>
+              <p:cNvPicPr/>
+              <p:nvPr/>
+            </p:nvPicPr>
+            <p:blipFill>
+              <a:blip r:embed="rId27"/>
+              <a:stretch>
+                <a:fillRect/>
+              </a:stretch>
+            </p:blipFill>
+            <p:spPr>
+              <a:xfrm>
+                <a:off x="2370282" y="2742755"/>
+                <a:ext cx="4879440" cy="1024920"/>
+              </a:xfrm>
+              <a:prstGeom prst="rect">
+                <a:avLst/>
+              </a:prstGeom>
+            </p:spPr>
+          </p:pic>
+        </mc:Fallback>
+      </mc:AlternateContent>
+      <mc:AlternateContent xmlns:mc="http://schemas.openxmlformats.org/markup-compatibility/2006">
+        <mc:Choice xmlns:p14="http://schemas.microsoft.com/office/powerpoint/2010/main" xmlns:aink="http://schemas.microsoft.com/office/drawing/2016/ink" Requires="p14 aink">
+          <p:contentPart p14:bwMode="auto" r:id="rId28">
+            <p14:nvContentPartPr>
+              <p14:cNvPr id="50" name="Tinta 49">
+                <a:extLst>
+                  <a:ext uri="{FF2B5EF4-FFF2-40B4-BE49-F238E27FC236}">
+                    <a16:creationId xmlns:a16="http://schemas.microsoft.com/office/drawing/2014/main" id="{EA59070B-C332-4D0B-A49A-129EEE778694}"/>
+                  </a:ext>
+                </a:extLst>
+              </p14:cNvPr>
+              <p14:cNvContentPartPr/>
+              <p14:nvPr/>
+            </p14:nvContentPartPr>
+            <p14:xfrm>
+              <a:off x="2431122" y="2807555"/>
+              <a:ext cx="4906440" cy="887400"/>
+            </p14:xfrm>
+          </p:contentPart>
+        </mc:Choice>
+        <mc:Fallback>
+          <p:pic>
+            <p:nvPicPr>
+              <p:cNvPr id="50" name="Tinta 49">
+                <a:extLst>
+                  <a:ext uri="{FF2B5EF4-FFF2-40B4-BE49-F238E27FC236}">
+                    <a16:creationId xmlns:a16="http://schemas.microsoft.com/office/drawing/2014/main" id="{EA59070B-C332-4D0B-A49A-129EEE778694}"/>
+                  </a:ext>
+                </a:extLst>
+              </p:cNvPr>
+              <p:cNvPicPr/>
+              <p:nvPr/>
+            </p:nvPicPr>
+            <p:blipFill>
+              <a:blip r:embed="rId29"/>
+              <a:stretch>
+                <a:fillRect/>
+              </a:stretch>
+            </p:blipFill>
+            <p:spPr>
+              <a:xfrm>
+                <a:off x="2413122" y="2789555"/>
+                <a:ext cx="4942080" cy="923040"/>
+              </a:xfrm>
+              <a:prstGeom prst="rect">
+                <a:avLst/>
+              </a:prstGeom>
+            </p:spPr>
+          </p:pic>
+        </mc:Fallback>
+      </mc:AlternateContent>
+      <mc:AlternateContent xmlns:mc="http://schemas.openxmlformats.org/markup-compatibility/2006">
+        <mc:Choice xmlns:p14="http://schemas.microsoft.com/office/powerpoint/2010/main" Requires="p14">
+          <p:contentPart p14:bwMode="auto" r:id="rId30">
+            <p14:nvContentPartPr>
+              <p14:cNvPr id="75" name="Tinta 74">
+                <a:extLst>
+                  <a:ext uri="{FF2B5EF4-FFF2-40B4-BE49-F238E27FC236}">
+                    <a16:creationId xmlns:a16="http://schemas.microsoft.com/office/drawing/2014/main" id="{76128365-D612-45F6-B8E1-21EFB0DB8FC3}"/>
+                  </a:ext>
+                </a:extLst>
+              </p14:cNvPr>
+              <p14:cNvContentPartPr/>
+              <p14:nvPr/>
+            </p14:nvContentPartPr>
+            <p14:xfrm>
+              <a:off x="7266282" y="2925635"/>
+              <a:ext cx="3421080" cy="3193920"/>
+            </p14:xfrm>
+          </p:contentPart>
+        </mc:Choice>
+        <mc:Fallback>
+          <p:pic>
+            <p:nvPicPr>
+              <p:cNvPr id="75" name="Tinta 74">
+                <a:extLst>
+                  <a:ext uri="{FF2B5EF4-FFF2-40B4-BE49-F238E27FC236}">
+                    <a16:creationId xmlns:a16="http://schemas.microsoft.com/office/drawing/2014/main" id="{76128365-D612-45F6-B8E1-21EFB0DB8FC3}"/>
+                  </a:ext>
+                </a:extLst>
+              </p:cNvPr>
+              <p:cNvPicPr/>
+              <p:nvPr/>
+            </p:nvPicPr>
+            <p:blipFill>
+              <a:blip r:embed="rId31"/>
+              <a:stretch>
+                <a:fillRect/>
+              </a:stretch>
+            </p:blipFill>
+            <p:spPr>
+              <a:xfrm>
+                <a:off x="7257642" y="2916995"/>
+                <a:ext cx="3438720" cy="3211560"/>
+              </a:xfrm>
+              <a:prstGeom prst="rect">
+                <a:avLst/>
+              </a:prstGeom>
+            </p:spPr>
+          </p:pic>
+        </mc:Fallback>
+      </mc:AlternateContent>
+      <mc:AlternateContent xmlns:mc="http://schemas.openxmlformats.org/markup-compatibility/2006">
+        <mc:Choice xmlns:p14="http://schemas.microsoft.com/office/powerpoint/2010/main" Requires="p14">
+          <p:contentPart p14:bwMode="auto" r:id="rId32">
+            <p14:nvContentPartPr>
+              <p14:cNvPr id="86" name="Tinta 85">
+                <a:extLst>
+                  <a:ext uri="{FF2B5EF4-FFF2-40B4-BE49-F238E27FC236}">
+                    <a16:creationId xmlns:a16="http://schemas.microsoft.com/office/drawing/2014/main" id="{3F0F433B-A624-44C1-A54A-3FEF8123ECC4}"/>
+                  </a:ext>
+                </a:extLst>
+              </p14:cNvPr>
+              <p14:cNvContentPartPr/>
+              <p14:nvPr/>
+            </p14:nvContentPartPr>
+            <p14:xfrm>
+              <a:off x="3407802" y="2111675"/>
+              <a:ext cx="2977920" cy="857520"/>
+            </p14:xfrm>
+          </p:contentPart>
+        </mc:Choice>
+        <mc:Fallback>
+          <p:pic>
+            <p:nvPicPr>
+              <p:cNvPr id="86" name="Tinta 85">
+                <a:extLst>
+                  <a:ext uri="{FF2B5EF4-FFF2-40B4-BE49-F238E27FC236}">
+                    <a16:creationId xmlns:a16="http://schemas.microsoft.com/office/drawing/2014/main" id="{3F0F433B-A624-44C1-A54A-3FEF8123ECC4}"/>
+                  </a:ext>
+                </a:extLst>
+              </p:cNvPr>
+              <p:cNvPicPr/>
+              <p:nvPr/>
+            </p:nvPicPr>
+            <p:blipFill>
+              <a:blip r:embed="rId33"/>
+              <a:stretch>
+                <a:fillRect/>
+              </a:stretch>
+            </p:blipFill>
+            <p:spPr>
+              <a:xfrm>
+                <a:off x="3398802" y="2103035"/>
+                <a:ext cx="2995560" cy="875160"/>
+              </a:xfrm>
+              <a:prstGeom prst="rect">
+                <a:avLst/>
+              </a:prstGeom>
+            </p:spPr>
+          </p:pic>
+        </mc:Fallback>
+      </mc:AlternateContent>
+      <p:pic>
+        <p:nvPicPr>
+          <p:cNvPr id="87" name="Imagem 86">
+            <a:extLst>
+              <a:ext uri="{FF2B5EF4-FFF2-40B4-BE49-F238E27FC236}">
+                <a16:creationId xmlns:a16="http://schemas.microsoft.com/office/drawing/2014/main" id="{763CC38F-53D2-4252-8343-61490DA1710B}"/>
+              </a:ext>
+            </a:extLst>
+          </p:cNvPr>
+          <p:cNvPicPr>
+            <a:picLocks noChangeAspect="1"/>
+          </p:cNvPicPr>
+          <p:nvPr/>
+        </p:nvPicPr>
+        <p:blipFill>
+          <a:blip r:embed="rId34"/>
+          <a:stretch>
+            <a:fillRect/>
+          </a:stretch>
+        </p:blipFill>
+        <p:spPr>
+          <a:xfrm>
+            <a:off x="2387922" y="1816330"/>
+            <a:ext cx="4293995" cy="908782"/>
+          </a:xfrm>
+          <a:prstGeom prst="rect">
+            <a:avLst/>
+          </a:prstGeom>
+        </p:spPr>
+      </p:pic>
+    </p:spTree>
+    <p:extLst>
+      <p:ext uri="{BB962C8B-B14F-4D97-AF65-F5344CB8AC3E}">
+        <p14:creationId xmlns:p14="http://schemas.microsoft.com/office/powerpoint/2010/main" val="665261259"/>
+      </p:ext>
+    </p:extLst>
+  </p:cSld>
+  <p:clrMapOvr>
+    <a:masterClrMapping/>
+  </p:clrMapOvr>
+</p:sld>
+</file>
+
+<file path=ppt/slides/slide59.xml><?xml version="1.0" encoding="utf-8"?>
+<p:sld xmlns:a="http://schemas.openxmlformats.org/drawingml/2006/main" xmlns:r="http://schemas.openxmlformats.org/officeDocument/2006/relationships" xmlns:p="http://schemas.openxmlformats.org/presentationml/2006/main">
+  <p:cSld>
+    <p:spTree>
+      <p:nvGrpSpPr>
+        <p:cNvPr id="1" name=""/>
+        <p:cNvGrpSpPr/>
+        <p:nvPr/>
+      </p:nvGrpSpPr>
+      <p:grpSpPr>
+        <a:xfrm>
+          <a:off x="0" y="0"/>
+          <a:ext cx="0" cy="0"/>
+          <a:chOff x="0" y="0"/>
+          <a:chExt cx="0" cy="0"/>
+        </a:xfrm>
+      </p:grpSpPr>
+      <p:pic>
+        <p:nvPicPr>
+          <p:cNvPr id="2" name="Imagem 1">
+            <a:extLst>
+              <a:ext uri="{FF2B5EF4-FFF2-40B4-BE49-F238E27FC236}">
+                <a16:creationId xmlns:a16="http://schemas.microsoft.com/office/drawing/2014/main" id="{34F4A258-7369-44FF-8B00-2F552A09EE84}"/>
+              </a:ext>
+            </a:extLst>
+          </p:cNvPr>
+          <p:cNvPicPr>
+            <a:picLocks noChangeAspect="1"/>
+          </p:cNvPicPr>
+          <p:nvPr/>
+        </p:nvPicPr>
+        <p:blipFill>
+          <a:blip r:embed="rId2"/>
+          <a:stretch>
+            <a:fillRect/>
+          </a:stretch>
+        </p:blipFill>
+        <p:spPr>
+          <a:xfrm>
+            <a:off x="110371" y="2086984"/>
+            <a:ext cx="11899288" cy="2667896"/>
+          </a:xfrm>
+          <a:prstGeom prst="rect">
+            <a:avLst/>
+          </a:prstGeom>
+        </p:spPr>
+      </p:pic>
+    </p:spTree>
+    <p:extLst>
+      <p:ext uri="{BB962C8B-B14F-4D97-AF65-F5344CB8AC3E}">
+        <p14:creationId xmlns:p14="http://schemas.microsoft.com/office/powerpoint/2010/main" val="1075341023"/>
       </p:ext>
     </p:extLst>
   </p:cSld>
@@ -8306,6 +10714,126 @@
     <p:extLst>
       <p:ext uri="{BB962C8B-B14F-4D97-AF65-F5344CB8AC3E}">
         <p14:creationId xmlns:p14="http://schemas.microsoft.com/office/powerpoint/2010/main" val="1029425049"/>
+      </p:ext>
+    </p:extLst>
+  </p:cSld>
+  <p:clrMapOvr>
+    <a:masterClrMapping/>
+  </p:clrMapOvr>
+</p:sld>
+</file>
+
+<file path=ppt/slides/slide60.xml><?xml version="1.0" encoding="utf-8"?>
+<p:sld xmlns:a="http://schemas.openxmlformats.org/drawingml/2006/main" xmlns:r="http://schemas.openxmlformats.org/officeDocument/2006/relationships" xmlns:p="http://schemas.openxmlformats.org/presentationml/2006/main">
+  <p:cSld>
+    <p:spTree>
+      <p:nvGrpSpPr>
+        <p:cNvPr id="1" name=""/>
+        <p:cNvGrpSpPr/>
+        <p:nvPr/>
+      </p:nvGrpSpPr>
+      <p:grpSpPr>
+        <a:xfrm>
+          <a:off x="0" y="0"/>
+          <a:ext cx="0" cy="0"/>
+          <a:chOff x="0" y="0"/>
+          <a:chExt cx="0" cy="0"/>
+        </a:xfrm>
+      </p:grpSpPr>
+      <p:pic>
+        <p:nvPicPr>
+          <p:cNvPr id="2" name="Imagem 1">
+            <a:extLst>
+              <a:ext uri="{FF2B5EF4-FFF2-40B4-BE49-F238E27FC236}">
+                <a16:creationId xmlns:a16="http://schemas.microsoft.com/office/drawing/2014/main" id="{1508E985-3BAE-48EC-A1E1-42F9CF321212}"/>
+              </a:ext>
+            </a:extLst>
+          </p:cNvPr>
+          <p:cNvPicPr>
+            <a:picLocks noChangeAspect="1"/>
+          </p:cNvPicPr>
+          <p:nvPr/>
+        </p:nvPicPr>
+        <p:blipFill>
+          <a:blip r:embed="rId2"/>
+          <a:stretch>
+            <a:fillRect/>
+          </a:stretch>
+        </p:blipFill>
+        <p:spPr>
+          <a:xfrm>
+            <a:off x="948634" y="217714"/>
+            <a:ext cx="10294732" cy="6422572"/>
+          </a:xfrm>
+          <a:prstGeom prst="rect">
+            <a:avLst/>
+          </a:prstGeom>
+        </p:spPr>
+      </p:pic>
+    </p:spTree>
+    <p:extLst>
+      <p:ext uri="{BB962C8B-B14F-4D97-AF65-F5344CB8AC3E}">
+        <p14:creationId xmlns:p14="http://schemas.microsoft.com/office/powerpoint/2010/main" val="2674671821"/>
+      </p:ext>
+    </p:extLst>
+  </p:cSld>
+  <p:clrMapOvr>
+    <a:masterClrMapping/>
+  </p:clrMapOvr>
+</p:sld>
+</file>
+
+<file path=ppt/slides/slide61.xml><?xml version="1.0" encoding="utf-8"?>
+<p:sld xmlns:a="http://schemas.openxmlformats.org/drawingml/2006/main" xmlns:r="http://schemas.openxmlformats.org/officeDocument/2006/relationships" xmlns:p="http://schemas.openxmlformats.org/presentationml/2006/main">
+  <p:cSld>
+    <p:spTree>
+      <p:nvGrpSpPr>
+        <p:cNvPr id="1" name=""/>
+        <p:cNvGrpSpPr/>
+        <p:nvPr/>
+      </p:nvGrpSpPr>
+      <p:grpSpPr>
+        <a:xfrm>
+          <a:off x="0" y="0"/>
+          <a:ext cx="0" cy="0"/>
+          <a:chOff x="0" y="0"/>
+          <a:chExt cx="0" cy="0"/>
+        </a:xfrm>
+      </p:grpSpPr>
+      <p:pic>
+        <p:nvPicPr>
+          <p:cNvPr id="2" name="Imagem 1">
+            <a:extLst>
+              <a:ext uri="{FF2B5EF4-FFF2-40B4-BE49-F238E27FC236}">
+                <a16:creationId xmlns:a16="http://schemas.microsoft.com/office/drawing/2014/main" id="{BE2FD73A-57C5-4905-BD9F-8E70498EFF5E}"/>
+              </a:ext>
+            </a:extLst>
+          </p:cNvPr>
+          <p:cNvPicPr>
+            <a:picLocks noChangeAspect="1"/>
+          </p:cNvPicPr>
+          <p:nvPr/>
+        </p:nvPicPr>
+        <p:blipFill>
+          <a:blip r:embed="rId2"/>
+          <a:stretch>
+            <a:fillRect/>
+          </a:stretch>
+        </p:blipFill>
+        <p:spPr>
+          <a:xfrm>
+            <a:off x="428896" y="1323191"/>
+            <a:ext cx="11435536" cy="4249270"/>
+          </a:xfrm>
+          <a:prstGeom prst="rect">
+            <a:avLst/>
+          </a:prstGeom>
+        </p:spPr>
+      </p:pic>
+    </p:spTree>
+    <p:extLst>
+      <p:ext uri="{BB962C8B-B14F-4D97-AF65-F5344CB8AC3E}">
+        <p14:creationId xmlns:p14="http://schemas.microsoft.com/office/powerpoint/2010/main" val="2234302966"/>
       </p:ext>
     </p:extLst>
   </p:cSld>

--- a/roteiro_da_aula/roteiro2.pptx
+++ b/roteiro_da_aula/roteiro2.pptx
@@ -68,8 +68,6 @@
     <p:sldId id="316" r:id="rId62"/>
     <p:sldId id="317" r:id="rId63"/>
     <p:sldId id="318" r:id="rId64"/>
-    <p:sldId id="319" r:id="rId65"/>
-    <p:sldId id="320" r:id="rId66"/>
   </p:sldIdLst>
   <p:sldSz cx="12192000" cy="6858000"/>
   <p:notesSz cx="6858000" cy="9144000"/>
@@ -10869,7 +10867,7 @@
           <p:cNvPr id="3" name="Imagem 2">
             <a:extLst>
               <a:ext uri="{FF2B5EF4-FFF2-40B4-BE49-F238E27FC236}">
-                <a16:creationId xmlns:a16="http://schemas.microsoft.com/office/drawing/2014/main" id="{C9EADAAB-C66E-4E4E-8A6B-4E160A3903B3}"/>
+                <a16:creationId xmlns:a16="http://schemas.microsoft.com/office/drawing/2014/main" id="{6C36DA01-697C-4C69-A676-CCCA5FC428B1}"/>
               </a:ext>
             </a:extLst>
           </p:cNvPr>
@@ -10897,7 +10895,7 @@
     </p:spTree>
     <p:extLst>
       <p:ext uri="{BB962C8B-B14F-4D97-AF65-F5344CB8AC3E}">
-        <p14:creationId xmlns:p14="http://schemas.microsoft.com/office/powerpoint/2010/main" val="3508993213"/>
+        <p14:creationId xmlns:p14="http://schemas.microsoft.com/office/powerpoint/2010/main" val="1606404009"/>
       </p:ext>
     </p:extLst>
   </p:cSld>
@@ -10926,10 +10924,10 @@
       </p:grpSpPr>
       <p:pic>
         <p:nvPicPr>
-          <p:cNvPr id="3" name="Imagem 2">
-            <a:extLst>
-              <a:ext uri="{FF2B5EF4-FFF2-40B4-BE49-F238E27FC236}">
-                <a16:creationId xmlns:a16="http://schemas.microsoft.com/office/drawing/2014/main" id="{36ADCA93-FD0A-4DCC-8239-AE783A7E03A3}"/>
+          <p:cNvPr id="2" name="Imagem 1">
+            <a:extLst>
+              <a:ext uri="{FF2B5EF4-FFF2-40B4-BE49-F238E27FC236}">
+                <a16:creationId xmlns:a16="http://schemas.microsoft.com/office/drawing/2014/main" id="{3ECD7C59-FD80-4C93-B8FD-5865D43CE808}"/>
               </a:ext>
             </a:extLst>
           </p:cNvPr>
@@ -10946,38 +10944,8 @@
         </p:blipFill>
         <p:spPr>
           <a:xfrm>
-            <a:off x="0" y="0"/>
-            <a:ext cx="12192000" cy="6858000"/>
-          </a:xfrm>
-          <a:prstGeom prst="rect">
-            <a:avLst/>
-          </a:prstGeom>
-        </p:spPr>
-      </p:pic>
-      <p:pic>
-        <p:nvPicPr>
-          <p:cNvPr id="4" name="Imagem 3">
-            <a:extLst>
-              <a:ext uri="{FF2B5EF4-FFF2-40B4-BE49-F238E27FC236}">
-                <a16:creationId xmlns:a16="http://schemas.microsoft.com/office/drawing/2014/main" id="{2FC26D64-EAFB-460D-9188-D481F4DF1796}"/>
-              </a:ext>
-            </a:extLst>
-          </p:cNvPr>
-          <p:cNvPicPr>
-            <a:picLocks noChangeAspect="1"/>
-          </p:cNvPicPr>
-          <p:nvPr/>
-        </p:nvPicPr>
-        <p:blipFill>
-          <a:blip r:embed="rId3"/>
-          <a:stretch>
-            <a:fillRect/>
-          </a:stretch>
-        </p:blipFill>
-        <p:spPr>
-          <a:xfrm>
-            <a:off x="6680499" y="0"/>
-            <a:ext cx="5511501" cy="941380"/>
+            <a:off x="239262" y="688489"/>
+            <a:ext cx="11658696" cy="5455390"/>
           </a:xfrm>
           <a:prstGeom prst="rect">
             <a:avLst/>
@@ -10987,127 +10955,7 @@
     </p:spTree>
     <p:extLst>
       <p:ext uri="{BB962C8B-B14F-4D97-AF65-F5344CB8AC3E}">
-        <p14:creationId xmlns:p14="http://schemas.microsoft.com/office/powerpoint/2010/main" val="3411810669"/>
-      </p:ext>
-    </p:extLst>
-  </p:cSld>
-  <p:clrMapOvr>
-    <a:masterClrMapping/>
-  </p:clrMapOvr>
-</p:sld>
-</file>
-
-<file path=ppt/slides/slide64.xml><?xml version="1.0" encoding="utf-8"?>
-<p:sld xmlns:a="http://schemas.openxmlformats.org/drawingml/2006/main" xmlns:r="http://schemas.openxmlformats.org/officeDocument/2006/relationships" xmlns:p="http://schemas.openxmlformats.org/presentationml/2006/main">
-  <p:cSld>
-    <p:spTree>
-      <p:nvGrpSpPr>
-        <p:cNvPr id="1" name=""/>
-        <p:cNvGrpSpPr/>
-        <p:nvPr/>
-      </p:nvGrpSpPr>
-      <p:grpSpPr>
-        <a:xfrm>
-          <a:off x="0" y="0"/>
-          <a:ext cx="0" cy="0"/>
-          <a:chOff x="0" y="0"/>
-          <a:chExt cx="0" cy="0"/>
-        </a:xfrm>
-      </p:grpSpPr>
-      <p:pic>
-        <p:nvPicPr>
-          <p:cNvPr id="3" name="Imagem 2">
-            <a:extLst>
-              <a:ext uri="{FF2B5EF4-FFF2-40B4-BE49-F238E27FC236}">
-                <a16:creationId xmlns:a16="http://schemas.microsoft.com/office/drawing/2014/main" id="{D31FAE01-DE65-4E50-BE0C-BB9C1AC979A8}"/>
-              </a:ext>
-            </a:extLst>
-          </p:cNvPr>
-          <p:cNvPicPr>
-            <a:picLocks noChangeAspect="1"/>
-          </p:cNvPicPr>
-          <p:nvPr/>
-        </p:nvPicPr>
-        <p:blipFill>
-          <a:blip r:embed="rId2"/>
-          <a:stretch>
-            <a:fillRect/>
-          </a:stretch>
-        </p:blipFill>
-        <p:spPr>
-          <a:xfrm>
-            <a:off x="0" y="0"/>
-            <a:ext cx="12192000" cy="6858000"/>
-          </a:xfrm>
-          <a:prstGeom prst="rect">
-            <a:avLst/>
-          </a:prstGeom>
-        </p:spPr>
-      </p:pic>
-    </p:spTree>
-    <p:extLst>
-      <p:ext uri="{BB962C8B-B14F-4D97-AF65-F5344CB8AC3E}">
-        <p14:creationId xmlns:p14="http://schemas.microsoft.com/office/powerpoint/2010/main" val="124700403"/>
-      </p:ext>
-    </p:extLst>
-  </p:cSld>
-  <p:clrMapOvr>
-    <a:masterClrMapping/>
-  </p:clrMapOvr>
-</p:sld>
-</file>
-
-<file path=ppt/slides/slide65.xml><?xml version="1.0" encoding="utf-8"?>
-<p:sld xmlns:a="http://schemas.openxmlformats.org/drawingml/2006/main" xmlns:r="http://schemas.openxmlformats.org/officeDocument/2006/relationships" xmlns:p="http://schemas.openxmlformats.org/presentationml/2006/main">
-  <p:cSld>
-    <p:spTree>
-      <p:nvGrpSpPr>
-        <p:cNvPr id="1" name=""/>
-        <p:cNvGrpSpPr/>
-        <p:nvPr/>
-      </p:nvGrpSpPr>
-      <p:grpSpPr>
-        <a:xfrm>
-          <a:off x="0" y="0"/>
-          <a:ext cx="0" cy="0"/>
-          <a:chOff x="0" y="0"/>
-          <a:chExt cx="0" cy="0"/>
-        </a:xfrm>
-      </p:grpSpPr>
-      <p:pic>
-        <p:nvPicPr>
-          <p:cNvPr id="3" name="Imagem 2">
-            <a:extLst>
-              <a:ext uri="{FF2B5EF4-FFF2-40B4-BE49-F238E27FC236}">
-                <a16:creationId xmlns:a16="http://schemas.microsoft.com/office/drawing/2014/main" id="{F2A8928D-08C4-40BE-AABF-D4AF0F093E5F}"/>
-              </a:ext>
-            </a:extLst>
-          </p:cNvPr>
-          <p:cNvPicPr>
-            <a:picLocks noChangeAspect="1"/>
-          </p:cNvPicPr>
-          <p:nvPr/>
-        </p:nvPicPr>
-        <p:blipFill>
-          <a:blip r:embed="rId2"/>
-          <a:stretch>
-            <a:fillRect/>
-          </a:stretch>
-        </p:blipFill>
-        <p:spPr>
-          <a:xfrm>
-            <a:off x="0" y="0"/>
-            <a:ext cx="12192000" cy="6858000"/>
-          </a:xfrm>
-          <a:prstGeom prst="rect">
-            <a:avLst/>
-          </a:prstGeom>
-        </p:spPr>
-      </p:pic>
-    </p:spTree>
-    <p:extLst>
-      <p:ext uri="{BB962C8B-B14F-4D97-AF65-F5344CB8AC3E}">
-        <p14:creationId xmlns:p14="http://schemas.microsoft.com/office/powerpoint/2010/main" val="495318110"/>
+        <p14:creationId xmlns:p14="http://schemas.microsoft.com/office/powerpoint/2010/main" val="1680937795"/>
       </p:ext>
     </p:extLst>
   </p:cSld>
